--- a/Proyecto Bancarrota - Coderhouse - Presentación Ejecutiva.pptx
+++ b/Proyecto Bancarrota - Coderhouse - Presentación Ejecutiva.pptx
@@ -6,7 +6,7 @@
     <p:sldMasterId id="2147483683" r:id="rId2"/>
   </p:sldMasterIdLst>
   <p:notesMasterIdLst>
-    <p:notesMasterId r:id="rId12"/>
+    <p:notesMasterId r:id="rId13"/>
   </p:notesMasterIdLst>
   <p:sldIdLst>
     <p:sldId id="256" r:id="rId3"/>
@@ -18,14 +18,11 @@
     <p:sldId id="271" r:id="rId9"/>
     <p:sldId id="272" r:id="rId10"/>
     <p:sldId id="274" r:id="rId11"/>
+    <p:sldId id="275" r:id="rId12"/>
   </p:sldIdLst>
   <p:sldSz cx="9144000" cy="5143500" type="screen16x9"/>
   <p:notesSz cx="6858000" cy="9144000"/>
   <p:embeddedFontLst>
-    <p:embeddedFont>
-      <p:font typeface="Anton" panose="020B0604020202020204" charset="0"/>
-      <p:regular r:id="rId13"/>
-    </p:embeddedFont>
     <p:embeddedFont>
       <p:font typeface="Helvetica Neue Light" panose="020B0604020202020204" charset="0"/>
       <p:regular r:id="rId14"/>
@@ -34,25 +31,29 @@
       <p:boldItalic r:id="rId17"/>
     </p:embeddedFont>
     <p:embeddedFont>
-      <p:font typeface="Calibri" panose="020F0502020204030204" pitchFamily="34" charset="0"/>
+      <p:font typeface="Helvetica Neue" panose="020B0604020202020204" charset="0"/>
       <p:regular r:id="rId18"/>
       <p:bold r:id="rId19"/>
       <p:italic r:id="rId20"/>
       <p:boldItalic r:id="rId21"/>
     </p:embeddedFont>
     <p:embeddedFont>
-      <p:font typeface="Lato" panose="020B0604020202020204" charset="0"/>
+      <p:font typeface="Anton" panose="020B0604020202020204" charset="0"/>
       <p:regular r:id="rId22"/>
-      <p:bold r:id="rId23"/>
-      <p:italic r:id="rId24"/>
-      <p:boldItalic r:id="rId25"/>
     </p:embeddedFont>
     <p:embeddedFont>
-      <p:font typeface="Helvetica Neue" panose="020B0604020202020204" charset="0"/>
-      <p:regular r:id="rId26"/>
-      <p:bold r:id="rId27"/>
-      <p:italic r:id="rId28"/>
-      <p:boldItalic r:id="rId29"/>
+      <p:font typeface="Lato" panose="020B0604020202020204" charset="0"/>
+      <p:regular r:id="rId23"/>
+      <p:bold r:id="rId24"/>
+      <p:italic r:id="rId25"/>
+      <p:boldItalic r:id="rId26"/>
+    </p:embeddedFont>
+    <p:embeddedFont>
+      <p:font typeface="Calibri" panose="020F0502020204030204" pitchFamily="34" charset="0"/>
+      <p:regular r:id="rId27"/>
+      <p:bold r:id="rId28"/>
+      <p:italic r:id="rId29"/>
+      <p:boldItalic r:id="rId30"/>
     </p:embeddedFont>
   </p:embeddedFontLst>
   <p:defaultTextStyle>
@@ -968,6 +969,120 @@
         </p:txBody>
       </p:sp>
     </p:spTree>
+  </p:cSld>
+  <p:clrMapOvr>
+    <a:masterClrMapping/>
+  </p:clrMapOvr>
+</p:notes>
+</file>
+
+<file path=ppt/notesSlides/notesSlide10.xml><?xml version="1.0" encoding="utf-8"?>
+<p:notes xmlns:a="http://schemas.openxmlformats.org/drawingml/2006/main" xmlns:r="http://schemas.openxmlformats.org/officeDocument/2006/relationships" xmlns:p="http://schemas.openxmlformats.org/presentationml/2006/main" showMasterSp="0" showMasterPhAnim="0">
+  <p:cSld>
+    <p:spTree>
+      <p:nvGrpSpPr>
+        <p:cNvPr id="1" name="Shape 231"/>
+        <p:cNvGrpSpPr/>
+        <p:nvPr/>
+      </p:nvGrpSpPr>
+      <p:grpSpPr>
+        <a:xfrm>
+          <a:off x="0" y="0"/>
+          <a:ext cx="0" cy="0"/>
+          <a:chOff x="0" y="0"/>
+          <a:chExt cx="0" cy="0"/>
+        </a:xfrm>
+      </p:grpSpPr>
+      <p:sp>
+        <p:nvSpPr>
+          <p:cNvPr id="232" name="Google Shape;232;ge0cb4ed8b9_0_443:notes"/>
+          <p:cNvSpPr>
+            <a:spLocks noGrp="1" noRot="1" noChangeAspect="1"/>
+          </p:cNvSpPr>
+          <p:nvPr>
+            <p:ph type="sldImg" idx="2"/>
+          </p:nvPr>
+        </p:nvSpPr>
+        <p:spPr>
+          <a:xfrm>
+            <a:off x="381000" y="685800"/>
+            <a:ext cx="6096000" cy="3429000"/>
+          </a:xfrm>
+          <a:custGeom>
+            <a:avLst/>
+            <a:gdLst/>
+            <a:ahLst/>
+            <a:cxnLst/>
+            <a:rect l="l" t="t" r="r" b="b"/>
+            <a:pathLst>
+              <a:path w="120000" h="120000" extrusionOk="0">
+                <a:moveTo>
+                  <a:pt x="0" y="0"/>
+                </a:moveTo>
+                <a:lnTo>
+                  <a:pt x="120000" y="0"/>
+                </a:lnTo>
+                <a:lnTo>
+                  <a:pt x="120000" y="120000"/>
+                </a:lnTo>
+                <a:lnTo>
+                  <a:pt x="0" y="120000"/>
+                </a:lnTo>
+                <a:close/>
+              </a:path>
+            </a:pathLst>
+          </a:custGeom>
+        </p:spPr>
+      </p:sp>
+      <p:sp>
+        <p:nvSpPr>
+          <p:cNvPr id="233" name="Google Shape;233;ge0cb4ed8b9_0_443:notes"/>
+          <p:cNvSpPr txBox="1">
+            <a:spLocks noGrp="1"/>
+          </p:cNvSpPr>
+          <p:nvPr>
+            <p:ph type="body" idx="1"/>
+          </p:nvPr>
+        </p:nvSpPr>
+        <p:spPr>
+          <a:xfrm>
+            <a:off x="685800" y="4343400"/>
+            <a:ext cx="5486400" cy="4114800"/>
+          </a:xfrm>
+          <a:prstGeom prst="rect">
+            <a:avLst/>
+          </a:prstGeom>
+        </p:spPr>
+        <p:txBody>
+          <a:bodyPr spcFirstLastPara="1" wrap="square" lIns="91425" tIns="91425" rIns="91425" bIns="91425" anchor="t" anchorCtr="0">
+            <a:noAutofit/>
+          </a:bodyPr>
+          <a:lstStyle/>
+          <a:p>
+            <a:pPr marL="0" lvl="0" indent="0" algn="l" rtl="0">
+              <a:spcBef>
+                <a:spcPts val="0"/>
+              </a:spcBef>
+              <a:spcAft>
+                <a:spcPts val="0"/>
+              </a:spcAft>
+              <a:buClr>
+                <a:schemeClr val="dk1"/>
+              </a:buClr>
+              <a:buSzPts val="1100"/>
+              <a:buFont typeface="Arial"/>
+              <a:buNone/>
+            </a:pPr>
+            <a:endParaRPr b="1"/>
+          </a:p>
+        </p:txBody>
+      </p:sp>
+    </p:spTree>
+    <p:extLst>
+      <p:ext uri="{BB962C8B-B14F-4D97-AF65-F5344CB8AC3E}">
+        <p14:creationId xmlns:p14="http://schemas.microsoft.com/office/powerpoint/2010/main" val="3952823011"/>
+      </p:ext>
+    </p:extLst>
   </p:cSld>
   <p:clrMapOvr>
     <a:masterClrMapping/>
@@ -19383,6 +19498,3143 @@
 </p:sld>
 </file>
 
+<file path=ppt/slides/slide10.xml><?xml version="1.0" encoding="utf-8"?>
+<p:sld xmlns:a="http://schemas.openxmlformats.org/drawingml/2006/main" xmlns:r="http://schemas.openxmlformats.org/officeDocument/2006/relationships" xmlns:p="http://schemas.openxmlformats.org/presentationml/2006/main">
+  <p:cSld>
+    <p:spTree>
+      <p:nvGrpSpPr>
+        <p:cNvPr id="1" name="Shape 234"/>
+        <p:cNvGrpSpPr/>
+        <p:nvPr/>
+      </p:nvGrpSpPr>
+      <p:grpSpPr>
+        <a:xfrm>
+          <a:off x="0" y="0"/>
+          <a:ext cx="0" cy="0"/>
+          <a:chOff x="0" y="0"/>
+          <a:chExt cx="0" cy="0"/>
+        </a:xfrm>
+      </p:grpSpPr>
+      <p:pic>
+        <p:nvPicPr>
+          <p:cNvPr id="236" name="Google Shape;236;p43"/>
+          <p:cNvPicPr preferRelativeResize="0"/>
+          <p:nvPr/>
+        </p:nvPicPr>
+        <p:blipFill>
+          <a:blip r:embed="rId3">
+            <a:alphaModFix/>
+          </a:blip>
+          <a:stretch>
+            <a:fillRect/>
+          </a:stretch>
+        </p:blipFill>
+        <p:spPr>
+          <a:xfrm>
+            <a:off x="7567925" y="4659625"/>
+            <a:ext cx="1186526" cy="330675"/>
+          </a:xfrm>
+          <a:prstGeom prst="rect">
+            <a:avLst/>
+          </a:prstGeom>
+          <a:noFill/>
+          <a:ln>
+            <a:noFill/>
+          </a:ln>
+        </p:spPr>
+      </p:pic>
+      <p:sp>
+        <p:nvSpPr>
+          <p:cNvPr id="8" name="Google Shape;211;p42"/>
+          <p:cNvSpPr txBox="1">
+            <a:spLocks/>
+          </p:cNvSpPr>
+          <p:nvPr/>
+        </p:nvSpPr>
+        <p:spPr>
+          <a:xfrm>
+            <a:off x="176575" y="199288"/>
+            <a:ext cx="7552800" cy="422400"/>
+          </a:xfrm>
+          <a:prstGeom prst="rect">
+            <a:avLst/>
+          </a:prstGeom>
+          <a:noFill/>
+          <a:ln>
+            <a:noFill/>
+          </a:ln>
+        </p:spPr>
+        <p:txBody>
+          <a:bodyPr spcFirstLastPara="1" wrap="square" lIns="91425" tIns="45700" rIns="91425" bIns="45700" anchor="b" anchorCtr="0">
+            <a:noAutofit/>
+          </a:bodyPr>
+          <a:lstStyle>
+            <a:defPPr marR="0" lvl="0" algn="l" rtl="0">
+              <a:lnSpc>
+                <a:spcPct val="100000"/>
+              </a:lnSpc>
+              <a:spcBef>
+                <a:spcPts val="0"/>
+              </a:spcBef>
+              <a:spcAft>
+                <a:spcPts val="0"/>
+              </a:spcAft>
+            </a:defPPr>
+            <a:lvl1pPr marR="0" lvl="0" algn="ctr" rtl="0">
+              <a:lnSpc>
+                <a:spcPct val="100000"/>
+              </a:lnSpc>
+              <a:spcBef>
+                <a:spcPts val="0"/>
+              </a:spcBef>
+              <a:spcAft>
+                <a:spcPts val="0"/>
+              </a:spcAft>
+              <a:buClr>
+                <a:schemeClr val="dk1"/>
+              </a:buClr>
+              <a:buSzPts val="5200"/>
+              <a:buFont typeface="Arial"/>
+              <a:buNone/>
+              <a:defRPr sz="5200" b="0" i="0" u="none" strike="noStrike" cap="none">
+                <a:solidFill>
+                  <a:schemeClr val="dk1"/>
+                </a:solidFill>
+                <a:latin typeface="Arial"/>
+                <a:ea typeface="Arial"/>
+                <a:cs typeface="Arial"/>
+                <a:sym typeface="Arial"/>
+              </a:defRPr>
+            </a:lvl1pPr>
+            <a:lvl2pPr marR="0" lvl="1" algn="ctr" rtl="0">
+              <a:lnSpc>
+                <a:spcPct val="100000"/>
+              </a:lnSpc>
+              <a:spcBef>
+                <a:spcPts val="0"/>
+              </a:spcBef>
+              <a:spcAft>
+                <a:spcPts val="0"/>
+              </a:spcAft>
+              <a:buClr>
+                <a:schemeClr val="dk1"/>
+              </a:buClr>
+              <a:buSzPts val="5200"/>
+              <a:buFont typeface="Arial"/>
+              <a:buNone/>
+              <a:defRPr sz="5200" b="0" i="0" u="none" strike="noStrike" cap="none">
+                <a:solidFill>
+                  <a:schemeClr val="dk1"/>
+                </a:solidFill>
+                <a:latin typeface="Arial"/>
+                <a:ea typeface="Arial"/>
+                <a:cs typeface="Arial"/>
+                <a:sym typeface="Arial"/>
+              </a:defRPr>
+            </a:lvl2pPr>
+            <a:lvl3pPr marR="0" lvl="2" algn="ctr" rtl="0">
+              <a:lnSpc>
+                <a:spcPct val="100000"/>
+              </a:lnSpc>
+              <a:spcBef>
+                <a:spcPts val="0"/>
+              </a:spcBef>
+              <a:spcAft>
+                <a:spcPts val="0"/>
+              </a:spcAft>
+              <a:buClr>
+                <a:schemeClr val="dk1"/>
+              </a:buClr>
+              <a:buSzPts val="5200"/>
+              <a:buFont typeface="Arial"/>
+              <a:buNone/>
+              <a:defRPr sz="5200" b="0" i="0" u="none" strike="noStrike" cap="none">
+                <a:solidFill>
+                  <a:schemeClr val="dk1"/>
+                </a:solidFill>
+                <a:latin typeface="Arial"/>
+                <a:ea typeface="Arial"/>
+                <a:cs typeface="Arial"/>
+                <a:sym typeface="Arial"/>
+              </a:defRPr>
+            </a:lvl3pPr>
+            <a:lvl4pPr marR="0" lvl="3" algn="ctr" rtl="0">
+              <a:lnSpc>
+                <a:spcPct val="100000"/>
+              </a:lnSpc>
+              <a:spcBef>
+                <a:spcPts val="0"/>
+              </a:spcBef>
+              <a:spcAft>
+                <a:spcPts val="0"/>
+              </a:spcAft>
+              <a:buClr>
+                <a:schemeClr val="dk1"/>
+              </a:buClr>
+              <a:buSzPts val="5200"/>
+              <a:buFont typeface="Arial"/>
+              <a:buNone/>
+              <a:defRPr sz="5200" b="0" i="0" u="none" strike="noStrike" cap="none">
+                <a:solidFill>
+                  <a:schemeClr val="dk1"/>
+                </a:solidFill>
+                <a:latin typeface="Arial"/>
+                <a:ea typeface="Arial"/>
+                <a:cs typeface="Arial"/>
+                <a:sym typeface="Arial"/>
+              </a:defRPr>
+            </a:lvl4pPr>
+            <a:lvl5pPr marR="0" lvl="4" algn="ctr" rtl="0">
+              <a:lnSpc>
+                <a:spcPct val="100000"/>
+              </a:lnSpc>
+              <a:spcBef>
+                <a:spcPts val="0"/>
+              </a:spcBef>
+              <a:spcAft>
+                <a:spcPts val="0"/>
+              </a:spcAft>
+              <a:buClr>
+                <a:schemeClr val="dk1"/>
+              </a:buClr>
+              <a:buSzPts val="5200"/>
+              <a:buFont typeface="Arial"/>
+              <a:buNone/>
+              <a:defRPr sz="5200" b="0" i="0" u="none" strike="noStrike" cap="none">
+                <a:solidFill>
+                  <a:schemeClr val="dk1"/>
+                </a:solidFill>
+                <a:latin typeface="Arial"/>
+                <a:ea typeface="Arial"/>
+                <a:cs typeface="Arial"/>
+                <a:sym typeface="Arial"/>
+              </a:defRPr>
+            </a:lvl5pPr>
+            <a:lvl6pPr marR="0" lvl="5" algn="ctr" rtl="0">
+              <a:lnSpc>
+                <a:spcPct val="100000"/>
+              </a:lnSpc>
+              <a:spcBef>
+                <a:spcPts val="0"/>
+              </a:spcBef>
+              <a:spcAft>
+                <a:spcPts val="0"/>
+              </a:spcAft>
+              <a:buClr>
+                <a:schemeClr val="dk1"/>
+              </a:buClr>
+              <a:buSzPts val="5200"/>
+              <a:buFont typeface="Arial"/>
+              <a:buNone/>
+              <a:defRPr sz="5200" b="0" i="0" u="none" strike="noStrike" cap="none">
+                <a:solidFill>
+                  <a:schemeClr val="dk1"/>
+                </a:solidFill>
+                <a:latin typeface="Arial"/>
+                <a:ea typeface="Arial"/>
+                <a:cs typeface="Arial"/>
+                <a:sym typeface="Arial"/>
+              </a:defRPr>
+            </a:lvl6pPr>
+            <a:lvl7pPr marR="0" lvl="6" algn="ctr" rtl="0">
+              <a:lnSpc>
+                <a:spcPct val="100000"/>
+              </a:lnSpc>
+              <a:spcBef>
+                <a:spcPts val="0"/>
+              </a:spcBef>
+              <a:spcAft>
+                <a:spcPts val="0"/>
+              </a:spcAft>
+              <a:buClr>
+                <a:schemeClr val="dk1"/>
+              </a:buClr>
+              <a:buSzPts val="5200"/>
+              <a:buFont typeface="Arial"/>
+              <a:buNone/>
+              <a:defRPr sz="5200" b="0" i="0" u="none" strike="noStrike" cap="none">
+                <a:solidFill>
+                  <a:schemeClr val="dk1"/>
+                </a:solidFill>
+                <a:latin typeface="Arial"/>
+                <a:ea typeface="Arial"/>
+                <a:cs typeface="Arial"/>
+                <a:sym typeface="Arial"/>
+              </a:defRPr>
+            </a:lvl7pPr>
+            <a:lvl8pPr marR="0" lvl="7" algn="ctr" rtl="0">
+              <a:lnSpc>
+                <a:spcPct val="100000"/>
+              </a:lnSpc>
+              <a:spcBef>
+                <a:spcPts val="0"/>
+              </a:spcBef>
+              <a:spcAft>
+                <a:spcPts val="0"/>
+              </a:spcAft>
+              <a:buClr>
+                <a:schemeClr val="dk1"/>
+              </a:buClr>
+              <a:buSzPts val="5200"/>
+              <a:buFont typeface="Arial"/>
+              <a:buNone/>
+              <a:defRPr sz="5200" b="0" i="0" u="none" strike="noStrike" cap="none">
+                <a:solidFill>
+                  <a:schemeClr val="dk1"/>
+                </a:solidFill>
+                <a:latin typeface="Arial"/>
+                <a:ea typeface="Arial"/>
+                <a:cs typeface="Arial"/>
+                <a:sym typeface="Arial"/>
+              </a:defRPr>
+            </a:lvl8pPr>
+            <a:lvl9pPr marR="0" lvl="8" algn="ctr" rtl="0">
+              <a:lnSpc>
+                <a:spcPct val="100000"/>
+              </a:lnSpc>
+              <a:spcBef>
+                <a:spcPts val="0"/>
+              </a:spcBef>
+              <a:spcAft>
+                <a:spcPts val="0"/>
+              </a:spcAft>
+              <a:buClr>
+                <a:schemeClr val="dk1"/>
+              </a:buClr>
+              <a:buSzPts val="5200"/>
+              <a:buFont typeface="Arial"/>
+              <a:buNone/>
+              <a:defRPr sz="5200" b="0" i="0" u="none" strike="noStrike" cap="none">
+                <a:solidFill>
+                  <a:schemeClr val="dk1"/>
+                </a:solidFill>
+                <a:latin typeface="Arial"/>
+                <a:ea typeface="Arial"/>
+                <a:cs typeface="Arial"/>
+                <a:sym typeface="Arial"/>
+              </a:defRPr>
+            </a:lvl9pPr>
+          </a:lstStyle>
+          <a:p>
+            <a:pPr algn="l"/>
+            <a:r>
+              <a:rPr lang="es-UY" sz="2000" i="1" dirty="0" smtClean="0">
+                <a:latin typeface="Anton"/>
+                <a:ea typeface="Anton"/>
+                <a:cs typeface="Anton"/>
+                <a:sym typeface="Anton"/>
+              </a:rPr>
+              <a:t>PRESENTACIÓN EJECUTIVA – </a:t>
+            </a:r>
+            <a:r>
+              <a:rPr lang="es-UY" sz="2000" i="1" dirty="0" smtClean="0">
+                <a:latin typeface="Anton"/>
+                <a:ea typeface="Anton"/>
+                <a:cs typeface="Anton"/>
+                <a:sym typeface="Anton"/>
+              </a:rPr>
+              <a:t>OPTIMIZACIÓN BOSQUE ALEATORIO</a:t>
+            </a:r>
+            <a:endParaRPr lang="es-UY" sz="2000" i="1" dirty="0">
+              <a:latin typeface="Anton"/>
+              <a:ea typeface="Anton"/>
+              <a:cs typeface="Anton"/>
+              <a:sym typeface="Anton"/>
+            </a:endParaRPr>
+          </a:p>
+        </p:txBody>
+      </p:sp>
+      <p:graphicFrame>
+        <p:nvGraphicFramePr>
+          <p:cNvPr id="3" name="Table 2"/>
+          <p:cNvGraphicFramePr>
+            <a:graphicFrameLocks noGrp="1"/>
+          </p:cNvGraphicFramePr>
+          <p:nvPr>
+            <p:extLst>
+              <p:ext uri="{D42A27DB-BD31-4B8C-83A1-F6EECF244321}">
+                <p14:modId xmlns:p14="http://schemas.microsoft.com/office/powerpoint/2010/main" val="4143110290"/>
+              </p:ext>
+            </p:extLst>
+          </p:nvPr>
+        </p:nvGraphicFramePr>
+        <p:xfrm>
+          <a:off x="176575" y="1484956"/>
+          <a:ext cx="8809371" cy="1925320"/>
+        </p:xfrm>
+        <a:graphic>
+          <a:graphicData uri="http://schemas.openxmlformats.org/drawingml/2006/table">
+            <a:tbl>
+              <a:tblPr firstRow="1" bandRow="1">
+                <a:tableStyleId>{5C22544A-7EE6-4342-B048-85BDC9FD1C3A}</a:tableStyleId>
+              </a:tblPr>
+              <a:tblGrid>
+                <a:gridCol w="1353886">
+                  <a:extLst>
+                    <a:ext uri="{9D8B030D-6E8A-4147-A177-3AD203B41FA5}">
+                      <a16:colId xmlns:a16="http://schemas.microsoft.com/office/drawing/2014/main" val="2155031578"/>
+                    </a:ext>
+                  </a:extLst>
+                </a:gridCol>
+                <a:gridCol w="871805">
+                  <a:extLst>
+                    <a:ext uri="{9D8B030D-6E8A-4147-A177-3AD203B41FA5}">
+                      <a16:colId xmlns:a16="http://schemas.microsoft.com/office/drawing/2014/main" val="3966447573"/>
+                    </a:ext>
+                  </a:extLst>
+                </a:gridCol>
+                <a:gridCol w="822960">
+                  <a:extLst>
+                    <a:ext uri="{9D8B030D-6E8A-4147-A177-3AD203B41FA5}">
+                      <a16:colId xmlns:a16="http://schemas.microsoft.com/office/drawing/2014/main" val="60428839"/>
+                    </a:ext>
+                  </a:extLst>
+                </a:gridCol>
+                <a:gridCol w="822960">
+                  <a:extLst>
+                    <a:ext uri="{9D8B030D-6E8A-4147-A177-3AD203B41FA5}">
+                      <a16:colId xmlns:a16="http://schemas.microsoft.com/office/drawing/2014/main" val="1113709119"/>
+                    </a:ext>
+                  </a:extLst>
+                </a:gridCol>
+                <a:gridCol w="822960">
+                  <a:extLst>
+                    <a:ext uri="{9D8B030D-6E8A-4147-A177-3AD203B41FA5}">
+                      <a16:colId xmlns:a16="http://schemas.microsoft.com/office/drawing/2014/main" val="2384662370"/>
+                    </a:ext>
+                  </a:extLst>
+                </a:gridCol>
+                <a:gridCol w="822960">
+                  <a:extLst>
+                    <a:ext uri="{9D8B030D-6E8A-4147-A177-3AD203B41FA5}">
+                      <a16:colId xmlns:a16="http://schemas.microsoft.com/office/drawing/2014/main" val="624414366"/>
+                    </a:ext>
+                  </a:extLst>
+                </a:gridCol>
+                <a:gridCol w="822960">
+                  <a:extLst>
+                    <a:ext uri="{9D8B030D-6E8A-4147-A177-3AD203B41FA5}">
+                      <a16:colId xmlns:a16="http://schemas.microsoft.com/office/drawing/2014/main" val="3501059269"/>
+                    </a:ext>
+                  </a:extLst>
+                </a:gridCol>
+                <a:gridCol w="822960">
+                  <a:extLst>
+                    <a:ext uri="{9D8B030D-6E8A-4147-A177-3AD203B41FA5}">
+                      <a16:colId xmlns:a16="http://schemas.microsoft.com/office/drawing/2014/main" val="1489360160"/>
+                    </a:ext>
+                  </a:extLst>
+                </a:gridCol>
+                <a:gridCol w="822960">
+                  <a:extLst>
+                    <a:ext uri="{9D8B030D-6E8A-4147-A177-3AD203B41FA5}">
+                      <a16:colId xmlns:a16="http://schemas.microsoft.com/office/drawing/2014/main" val="3314936053"/>
+                    </a:ext>
+                  </a:extLst>
+                </a:gridCol>
+                <a:gridCol w="822960">
+                  <a:extLst>
+                    <a:ext uri="{9D8B030D-6E8A-4147-A177-3AD203B41FA5}">
+                      <a16:colId xmlns:a16="http://schemas.microsoft.com/office/drawing/2014/main" val="2545043726"/>
+                    </a:ext>
+                  </a:extLst>
+                </a:gridCol>
+              </a:tblGrid>
+              <a:tr h="370840">
+                <a:tc rowSpan="2">
+                  <a:txBody>
+                    <a:bodyPr/>
+                    <a:lstStyle/>
+                    <a:p>
+                      <a:pPr algn="ctr"/>
+                      <a:r>
+                        <a:rPr lang="en-US" sz="1400" b="1" dirty="0" smtClean="0">
+                          <a:solidFill>
+                            <a:schemeClr val="tx1"/>
+                          </a:solidFill>
+                        </a:rPr>
+                        <a:t>Modelo de predicción</a:t>
+                      </a:r>
+                      <a:endParaRPr lang="es-UY" sz="1400" b="1" dirty="0">
+                        <a:solidFill>
+                          <a:schemeClr val="tx1"/>
+                        </a:solidFill>
+                      </a:endParaRPr>
+                    </a:p>
+                  </a:txBody>
+                  <a:tcPr anchor="ctr">
+                    <a:lnL w="12700" cap="flat" cmpd="sng" algn="ctr">
+                      <a:noFill/>
+                      <a:prstDash val="solid"/>
+                      <a:round/>
+                      <a:headEnd type="none" w="med" len="med"/>
+                      <a:tailEnd type="none" w="med" len="med"/>
+                    </a:lnL>
+                    <a:lnR w="12700" cap="flat" cmpd="sng" algn="ctr">
+                      <a:solidFill>
+                        <a:schemeClr val="tx1"/>
+                      </a:solidFill>
+                      <a:prstDash val="solid"/>
+                      <a:round/>
+                      <a:headEnd type="none" w="med" len="med"/>
+                      <a:tailEnd type="none" w="med" len="med"/>
+                    </a:lnR>
+                    <a:lnT w="12700" cap="flat" cmpd="sng" algn="ctr">
+                      <a:noFill/>
+                      <a:prstDash val="solid"/>
+                      <a:round/>
+                      <a:headEnd type="none" w="med" len="med"/>
+                      <a:tailEnd type="none" w="med" len="med"/>
+                    </a:lnT>
+                    <a:lnB w="12700" cap="flat" cmpd="sng" algn="ctr">
+                      <a:solidFill>
+                        <a:schemeClr val="tx1"/>
+                      </a:solidFill>
+                      <a:prstDash val="solid"/>
+                      <a:round/>
+                      <a:headEnd type="none" w="med" len="med"/>
+                      <a:tailEnd type="none" w="med" len="med"/>
+                    </a:lnB>
+                    <a:lnTlToBr w="12700" cmpd="sng">
+                      <a:noFill/>
+                      <a:prstDash val="solid"/>
+                    </a:lnTlToBr>
+                    <a:lnBlToTr w="12700" cmpd="sng">
+                      <a:noFill/>
+                      <a:prstDash val="solid"/>
+                    </a:lnBlToTr>
+                    <a:noFill/>
+                  </a:tcPr>
+                </a:tc>
+                <a:tc gridSpan="2">
+                  <a:txBody>
+                    <a:bodyPr/>
+                    <a:lstStyle/>
+                    <a:p>
+                      <a:pPr algn="ctr"/>
+                      <a:r>
+                        <a:rPr lang="en-US" sz="1000" b="1" dirty="0" smtClean="0">
+                          <a:solidFill>
+                            <a:schemeClr val="tx1"/>
+                          </a:solidFill>
+                        </a:rPr>
+                        <a:t>Accuracy</a:t>
+                      </a:r>
+                      <a:endParaRPr lang="es-UY" sz="1000" b="1" dirty="0">
+                        <a:solidFill>
+                          <a:schemeClr val="tx1"/>
+                        </a:solidFill>
+                      </a:endParaRPr>
+                    </a:p>
+                  </a:txBody>
+                  <a:tcPr anchor="ctr">
+                    <a:lnL w="12700" cap="flat" cmpd="sng" algn="ctr">
+                      <a:solidFill>
+                        <a:schemeClr val="tx1"/>
+                      </a:solidFill>
+                      <a:prstDash val="solid"/>
+                      <a:round/>
+                      <a:headEnd type="none" w="med" len="med"/>
+                      <a:tailEnd type="none" w="med" len="med"/>
+                    </a:lnL>
+                    <a:lnR w="12700" cap="flat" cmpd="sng" algn="ctr">
+                      <a:solidFill>
+                        <a:schemeClr val="tx1"/>
+                      </a:solidFill>
+                      <a:prstDash val="solid"/>
+                      <a:round/>
+                      <a:headEnd type="none" w="med" len="med"/>
+                      <a:tailEnd type="none" w="med" len="med"/>
+                    </a:lnR>
+                    <a:lnT w="12700" cap="flat" cmpd="sng" algn="ctr">
+                      <a:solidFill>
+                        <a:schemeClr val="tx1"/>
+                      </a:solidFill>
+                      <a:prstDash val="solid"/>
+                      <a:round/>
+                      <a:headEnd type="none" w="med" len="med"/>
+                      <a:tailEnd type="none" w="med" len="med"/>
+                    </a:lnT>
+                    <a:lnB w="12700" cap="flat" cmpd="sng" algn="ctr">
+                      <a:solidFill>
+                        <a:schemeClr val="tx1"/>
+                      </a:solidFill>
+                      <a:prstDash val="solid"/>
+                      <a:round/>
+                      <a:headEnd type="none" w="med" len="med"/>
+                      <a:tailEnd type="none" w="med" len="med"/>
+                    </a:lnB>
+                    <a:lnTlToBr w="12700" cmpd="sng">
+                      <a:noFill/>
+                      <a:prstDash val="solid"/>
+                    </a:lnTlToBr>
+                    <a:lnBlToTr w="12700" cmpd="sng">
+                      <a:noFill/>
+                      <a:prstDash val="solid"/>
+                    </a:lnBlToTr>
+                    <a:noFill/>
+                  </a:tcPr>
+                </a:tc>
+                <a:tc hMerge="1">
+                  <a:txBody>
+                    <a:bodyPr/>
+                    <a:lstStyle/>
+                    <a:p>
+                      <a:pPr algn="ctr"/>
+                      <a:endParaRPr lang="es-UY" sz="1000" b="0" dirty="0"/>
+                    </a:p>
+                  </a:txBody>
+                  <a:tcPr anchor="ctr"/>
+                </a:tc>
+                <a:tc gridSpan="2">
+                  <a:txBody>
+                    <a:bodyPr/>
+                    <a:lstStyle/>
+                    <a:p>
+                      <a:pPr algn="ctr"/>
+                      <a:r>
+                        <a:rPr lang="en-US" sz="1000" b="1" dirty="0" smtClean="0">
+                          <a:solidFill>
+                            <a:schemeClr val="tx1"/>
+                          </a:solidFill>
+                        </a:rPr>
+                        <a:t>Precision</a:t>
+                      </a:r>
+                      <a:endParaRPr lang="es-UY" sz="1000" b="1" dirty="0">
+                        <a:solidFill>
+                          <a:schemeClr val="tx1"/>
+                        </a:solidFill>
+                      </a:endParaRPr>
+                    </a:p>
+                  </a:txBody>
+                  <a:tcPr anchor="ctr">
+                    <a:lnL w="12700" cap="flat" cmpd="sng" algn="ctr">
+                      <a:solidFill>
+                        <a:schemeClr val="tx1"/>
+                      </a:solidFill>
+                      <a:prstDash val="solid"/>
+                      <a:round/>
+                      <a:headEnd type="none" w="med" len="med"/>
+                      <a:tailEnd type="none" w="med" len="med"/>
+                    </a:lnL>
+                    <a:lnR w="12700" cap="flat" cmpd="sng" algn="ctr">
+                      <a:solidFill>
+                        <a:schemeClr val="tx1"/>
+                      </a:solidFill>
+                      <a:prstDash val="solid"/>
+                      <a:round/>
+                      <a:headEnd type="none" w="med" len="med"/>
+                      <a:tailEnd type="none" w="med" len="med"/>
+                    </a:lnR>
+                    <a:lnT w="12700" cap="flat" cmpd="sng" algn="ctr">
+                      <a:solidFill>
+                        <a:schemeClr val="tx1"/>
+                      </a:solidFill>
+                      <a:prstDash val="solid"/>
+                      <a:round/>
+                      <a:headEnd type="none" w="med" len="med"/>
+                      <a:tailEnd type="none" w="med" len="med"/>
+                    </a:lnT>
+                    <a:lnB w="12700" cap="flat" cmpd="sng" algn="ctr">
+                      <a:solidFill>
+                        <a:schemeClr val="tx1"/>
+                      </a:solidFill>
+                      <a:prstDash val="solid"/>
+                      <a:round/>
+                      <a:headEnd type="none" w="med" len="med"/>
+                      <a:tailEnd type="none" w="med" len="med"/>
+                    </a:lnB>
+                    <a:lnTlToBr w="12700" cmpd="sng">
+                      <a:noFill/>
+                      <a:prstDash val="solid"/>
+                    </a:lnTlToBr>
+                    <a:lnBlToTr w="12700" cmpd="sng">
+                      <a:noFill/>
+                      <a:prstDash val="solid"/>
+                    </a:lnBlToTr>
+                    <a:noFill/>
+                  </a:tcPr>
+                </a:tc>
+                <a:tc hMerge="1">
+                  <a:txBody>
+                    <a:bodyPr/>
+                    <a:lstStyle/>
+                    <a:p>
+                      <a:pPr algn="ctr"/>
+                      <a:endParaRPr lang="es-UY" sz="1000" b="0" dirty="0"/>
+                    </a:p>
+                  </a:txBody>
+                  <a:tcPr anchor="ctr"/>
+                </a:tc>
+                <a:tc gridSpan="2">
+                  <a:txBody>
+                    <a:bodyPr/>
+                    <a:lstStyle/>
+                    <a:p>
+                      <a:pPr algn="ctr"/>
+                      <a:r>
+                        <a:rPr lang="en-US" sz="1000" b="1" dirty="0" smtClean="0">
+                          <a:solidFill>
+                            <a:schemeClr val="tx1"/>
+                          </a:solidFill>
+                        </a:rPr>
+                        <a:t>Recall</a:t>
+                      </a:r>
+                      <a:endParaRPr lang="es-UY" sz="1000" b="1" dirty="0">
+                        <a:solidFill>
+                          <a:schemeClr val="tx1"/>
+                        </a:solidFill>
+                      </a:endParaRPr>
+                    </a:p>
+                  </a:txBody>
+                  <a:tcPr anchor="ctr">
+                    <a:lnL w="12700" cap="flat" cmpd="sng" algn="ctr">
+                      <a:solidFill>
+                        <a:schemeClr val="tx1"/>
+                      </a:solidFill>
+                      <a:prstDash val="solid"/>
+                      <a:round/>
+                      <a:headEnd type="none" w="med" len="med"/>
+                      <a:tailEnd type="none" w="med" len="med"/>
+                    </a:lnL>
+                    <a:lnR w="12700" cap="flat" cmpd="sng" algn="ctr">
+                      <a:solidFill>
+                        <a:schemeClr val="tx1"/>
+                      </a:solidFill>
+                      <a:prstDash val="solid"/>
+                      <a:round/>
+                      <a:headEnd type="none" w="med" len="med"/>
+                      <a:tailEnd type="none" w="med" len="med"/>
+                    </a:lnR>
+                    <a:lnT w="12700" cap="flat" cmpd="sng" algn="ctr">
+                      <a:solidFill>
+                        <a:schemeClr val="tx1"/>
+                      </a:solidFill>
+                      <a:prstDash val="solid"/>
+                      <a:round/>
+                      <a:headEnd type="none" w="med" len="med"/>
+                      <a:tailEnd type="none" w="med" len="med"/>
+                    </a:lnT>
+                    <a:lnB w="12700" cap="flat" cmpd="sng" algn="ctr">
+                      <a:solidFill>
+                        <a:schemeClr val="tx1"/>
+                      </a:solidFill>
+                      <a:prstDash val="solid"/>
+                      <a:round/>
+                      <a:headEnd type="none" w="med" len="med"/>
+                      <a:tailEnd type="none" w="med" len="med"/>
+                    </a:lnB>
+                    <a:lnTlToBr w="12700" cmpd="sng">
+                      <a:noFill/>
+                      <a:prstDash val="solid"/>
+                    </a:lnTlToBr>
+                    <a:lnBlToTr w="12700" cmpd="sng">
+                      <a:noFill/>
+                      <a:prstDash val="solid"/>
+                    </a:lnBlToTr>
+                    <a:noFill/>
+                  </a:tcPr>
+                </a:tc>
+                <a:tc hMerge="1">
+                  <a:txBody>
+                    <a:bodyPr/>
+                    <a:lstStyle/>
+                    <a:p>
+                      <a:pPr algn="ctr"/>
+                      <a:endParaRPr lang="es-UY" sz="1000" b="0" dirty="0"/>
+                    </a:p>
+                  </a:txBody>
+                  <a:tcPr anchor="ctr"/>
+                </a:tc>
+                <a:tc gridSpan="2">
+                  <a:txBody>
+                    <a:bodyPr/>
+                    <a:lstStyle/>
+                    <a:p>
+                      <a:pPr algn="ctr"/>
+                      <a:r>
+                        <a:rPr lang="en-US" sz="1000" b="1" dirty="0" smtClean="0">
+                          <a:solidFill>
+                            <a:schemeClr val="tx1"/>
+                          </a:solidFill>
+                        </a:rPr>
+                        <a:t>F1-score</a:t>
+                      </a:r>
+                      <a:endParaRPr lang="es-UY" sz="1000" b="1" dirty="0">
+                        <a:solidFill>
+                          <a:schemeClr val="tx1"/>
+                        </a:solidFill>
+                      </a:endParaRPr>
+                    </a:p>
+                  </a:txBody>
+                  <a:tcPr anchor="ctr">
+                    <a:lnL w="12700" cap="flat" cmpd="sng" algn="ctr">
+                      <a:solidFill>
+                        <a:schemeClr val="tx1"/>
+                      </a:solidFill>
+                      <a:prstDash val="solid"/>
+                      <a:round/>
+                      <a:headEnd type="none" w="med" len="med"/>
+                      <a:tailEnd type="none" w="med" len="med"/>
+                    </a:lnL>
+                    <a:lnR w="12700" cap="flat" cmpd="sng" algn="ctr">
+                      <a:solidFill>
+                        <a:schemeClr val="tx1"/>
+                      </a:solidFill>
+                      <a:prstDash val="solid"/>
+                      <a:round/>
+                      <a:headEnd type="none" w="med" len="med"/>
+                      <a:tailEnd type="none" w="med" len="med"/>
+                    </a:lnR>
+                    <a:lnT w="12700" cap="flat" cmpd="sng" algn="ctr">
+                      <a:solidFill>
+                        <a:schemeClr val="tx1"/>
+                      </a:solidFill>
+                      <a:prstDash val="solid"/>
+                      <a:round/>
+                      <a:headEnd type="none" w="med" len="med"/>
+                      <a:tailEnd type="none" w="med" len="med"/>
+                    </a:lnT>
+                    <a:lnB w="12700" cap="flat" cmpd="sng" algn="ctr">
+                      <a:solidFill>
+                        <a:schemeClr val="tx1"/>
+                      </a:solidFill>
+                      <a:prstDash val="solid"/>
+                      <a:round/>
+                      <a:headEnd type="none" w="med" len="med"/>
+                      <a:tailEnd type="none" w="med" len="med"/>
+                    </a:lnB>
+                    <a:lnTlToBr w="12700" cmpd="sng">
+                      <a:noFill/>
+                      <a:prstDash val="solid"/>
+                    </a:lnTlToBr>
+                    <a:lnBlToTr w="12700" cmpd="sng">
+                      <a:noFill/>
+                      <a:prstDash val="solid"/>
+                    </a:lnBlToTr>
+                    <a:noFill/>
+                  </a:tcPr>
+                </a:tc>
+                <a:tc hMerge="1">
+                  <a:txBody>
+                    <a:bodyPr/>
+                    <a:lstStyle/>
+                    <a:p>
+                      <a:pPr algn="ctr"/>
+                      <a:endParaRPr lang="es-UY" sz="1000" b="0" dirty="0"/>
+                    </a:p>
+                  </a:txBody>
+                  <a:tcPr anchor="ctr"/>
+                </a:tc>
+                <a:tc rowSpan="2">
+                  <a:txBody>
+                    <a:bodyPr/>
+                    <a:lstStyle/>
+                    <a:p>
+                      <a:pPr algn="ctr"/>
+                      <a:r>
+                        <a:rPr lang="en-US" sz="1000" b="1" dirty="0" smtClean="0">
+                          <a:solidFill>
+                            <a:schemeClr val="tx1"/>
+                          </a:solidFill>
+                        </a:rPr>
+                        <a:t>AUC</a:t>
+                      </a:r>
+                      <a:endParaRPr lang="es-UY" sz="1000" b="1" dirty="0">
+                        <a:solidFill>
+                          <a:schemeClr val="tx1"/>
+                        </a:solidFill>
+                      </a:endParaRPr>
+                    </a:p>
+                  </a:txBody>
+                  <a:tcPr anchor="ctr">
+                    <a:lnL w="12700" cap="flat" cmpd="sng" algn="ctr">
+                      <a:solidFill>
+                        <a:schemeClr val="tx1"/>
+                      </a:solidFill>
+                      <a:prstDash val="solid"/>
+                      <a:round/>
+                      <a:headEnd type="none" w="med" len="med"/>
+                      <a:tailEnd type="none" w="med" len="med"/>
+                    </a:lnL>
+                    <a:lnR w="12700" cap="flat" cmpd="sng" algn="ctr">
+                      <a:solidFill>
+                        <a:schemeClr val="tx1"/>
+                      </a:solidFill>
+                      <a:prstDash val="solid"/>
+                      <a:round/>
+                      <a:headEnd type="none" w="med" len="med"/>
+                      <a:tailEnd type="none" w="med" len="med"/>
+                    </a:lnR>
+                    <a:lnT w="12700" cap="flat" cmpd="sng" algn="ctr">
+                      <a:solidFill>
+                        <a:schemeClr val="tx1"/>
+                      </a:solidFill>
+                      <a:prstDash val="solid"/>
+                      <a:round/>
+                      <a:headEnd type="none" w="med" len="med"/>
+                      <a:tailEnd type="none" w="med" len="med"/>
+                    </a:lnT>
+                    <a:lnB w="12700" cap="flat" cmpd="sng" algn="ctr">
+                      <a:solidFill>
+                        <a:schemeClr val="tx1"/>
+                      </a:solidFill>
+                      <a:prstDash val="solid"/>
+                      <a:round/>
+                      <a:headEnd type="none" w="med" len="med"/>
+                      <a:tailEnd type="none" w="med" len="med"/>
+                    </a:lnB>
+                    <a:lnTlToBr w="12700" cmpd="sng">
+                      <a:noFill/>
+                      <a:prstDash val="solid"/>
+                    </a:lnTlToBr>
+                    <a:lnBlToTr w="12700" cmpd="sng">
+                      <a:noFill/>
+                      <a:prstDash val="solid"/>
+                    </a:lnBlToTr>
+                    <a:noFill/>
+                  </a:tcPr>
+                </a:tc>
+                <a:extLst>
+                  <a:ext uri="{0D108BD9-81ED-4DB2-BD59-A6C34878D82A}">
+                    <a16:rowId xmlns:a16="http://schemas.microsoft.com/office/drawing/2014/main" val="3703212072"/>
+                  </a:ext>
+                </a:extLst>
+              </a:tr>
+              <a:tr h="370840">
+                <a:tc vMerge="1">
+                  <a:txBody>
+                    <a:bodyPr/>
+                    <a:lstStyle/>
+                    <a:p>
+                      <a:pPr algn="ctr"/>
+                      <a:endParaRPr lang="es-UY" sz="1000" b="0" dirty="0"/>
+                    </a:p>
+                  </a:txBody>
+                  <a:tcPr anchor="ctr"/>
+                </a:tc>
+                <a:tc>
+                  <a:txBody>
+                    <a:bodyPr/>
+                    <a:lstStyle/>
+                    <a:p>
+                      <a:pPr algn="ctr"/>
+                      <a:r>
+                        <a:rPr lang="en-US" sz="800" b="0" dirty="0" smtClean="0">
+                          <a:solidFill>
+                            <a:schemeClr val="tx1"/>
+                          </a:solidFill>
+                        </a:rPr>
+                        <a:t>Set </a:t>
+                      </a:r>
+                    </a:p>
+                    <a:p>
+                      <a:pPr algn="ctr"/>
+                      <a:r>
+                        <a:rPr lang="en-US" sz="800" b="0" dirty="0" smtClean="0">
+                          <a:solidFill>
+                            <a:schemeClr val="tx1"/>
+                          </a:solidFill>
+                        </a:rPr>
+                        <a:t>de entrenamiento</a:t>
+                      </a:r>
+                      <a:endParaRPr lang="es-UY" sz="800" b="0" dirty="0">
+                        <a:solidFill>
+                          <a:schemeClr val="tx1"/>
+                        </a:solidFill>
+                      </a:endParaRPr>
+                    </a:p>
+                  </a:txBody>
+                  <a:tcPr anchor="ctr">
+                    <a:lnL w="12700" cap="flat" cmpd="sng" algn="ctr">
+                      <a:solidFill>
+                        <a:schemeClr val="tx1"/>
+                      </a:solidFill>
+                      <a:prstDash val="solid"/>
+                      <a:round/>
+                      <a:headEnd type="none" w="med" len="med"/>
+                      <a:tailEnd type="none" w="med" len="med"/>
+                    </a:lnL>
+                    <a:lnR w="12700" cap="flat" cmpd="sng" algn="ctr">
+                      <a:solidFill>
+                        <a:schemeClr val="tx1"/>
+                      </a:solidFill>
+                      <a:prstDash val="solid"/>
+                      <a:round/>
+                      <a:headEnd type="none" w="med" len="med"/>
+                      <a:tailEnd type="none" w="med" len="med"/>
+                    </a:lnR>
+                    <a:lnT w="12700" cap="flat" cmpd="sng" algn="ctr">
+                      <a:solidFill>
+                        <a:schemeClr val="tx1"/>
+                      </a:solidFill>
+                      <a:prstDash val="solid"/>
+                      <a:round/>
+                      <a:headEnd type="none" w="med" len="med"/>
+                      <a:tailEnd type="none" w="med" len="med"/>
+                    </a:lnT>
+                    <a:lnB w="12700" cap="flat" cmpd="sng" algn="ctr">
+                      <a:solidFill>
+                        <a:schemeClr val="tx1"/>
+                      </a:solidFill>
+                      <a:prstDash val="solid"/>
+                      <a:round/>
+                      <a:headEnd type="none" w="med" len="med"/>
+                      <a:tailEnd type="none" w="med" len="med"/>
+                    </a:lnB>
+                    <a:lnTlToBr w="12700" cmpd="sng">
+                      <a:noFill/>
+                      <a:prstDash val="solid"/>
+                    </a:lnTlToBr>
+                    <a:lnBlToTr w="12700" cmpd="sng">
+                      <a:noFill/>
+                      <a:prstDash val="solid"/>
+                    </a:lnBlToTr>
+                    <a:noFill/>
+                  </a:tcPr>
+                </a:tc>
+                <a:tc>
+                  <a:txBody>
+                    <a:bodyPr/>
+                    <a:lstStyle/>
+                    <a:p>
+                      <a:pPr algn="ctr"/>
+                      <a:r>
+                        <a:rPr lang="en-US" sz="800" b="0" dirty="0" smtClean="0">
+                          <a:solidFill>
+                            <a:schemeClr val="tx1"/>
+                          </a:solidFill>
+                        </a:rPr>
+                        <a:t>Set</a:t>
+                      </a:r>
+                    </a:p>
+                    <a:p>
+                      <a:pPr algn="ctr"/>
+                      <a:r>
+                        <a:rPr lang="en-US" sz="800" b="0" dirty="0" smtClean="0">
+                          <a:solidFill>
+                            <a:schemeClr val="tx1"/>
+                          </a:solidFill>
+                        </a:rPr>
+                        <a:t>de</a:t>
+                      </a:r>
+                    </a:p>
+                    <a:p>
+                      <a:pPr algn="ctr"/>
+                      <a:r>
+                        <a:rPr lang="en-US" sz="800" b="0" dirty="0" smtClean="0">
+                          <a:solidFill>
+                            <a:schemeClr val="tx1"/>
+                          </a:solidFill>
+                        </a:rPr>
+                        <a:t>evaluación</a:t>
+                      </a:r>
+                      <a:endParaRPr lang="es-UY" sz="800" b="0" dirty="0">
+                        <a:solidFill>
+                          <a:schemeClr val="tx1"/>
+                        </a:solidFill>
+                      </a:endParaRPr>
+                    </a:p>
+                  </a:txBody>
+                  <a:tcPr anchor="ctr">
+                    <a:lnL w="12700" cap="flat" cmpd="sng" algn="ctr">
+                      <a:solidFill>
+                        <a:schemeClr val="tx1"/>
+                      </a:solidFill>
+                      <a:prstDash val="solid"/>
+                      <a:round/>
+                      <a:headEnd type="none" w="med" len="med"/>
+                      <a:tailEnd type="none" w="med" len="med"/>
+                    </a:lnL>
+                    <a:lnR w="12700" cap="flat" cmpd="sng" algn="ctr">
+                      <a:solidFill>
+                        <a:schemeClr val="tx1"/>
+                      </a:solidFill>
+                      <a:prstDash val="solid"/>
+                      <a:round/>
+                      <a:headEnd type="none" w="med" len="med"/>
+                      <a:tailEnd type="none" w="med" len="med"/>
+                    </a:lnR>
+                    <a:lnT w="12700" cap="flat" cmpd="sng" algn="ctr">
+                      <a:solidFill>
+                        <a:schemeClr val="tx1"/>
+                      </a:solidFill>
+                      <a:prstDash val="solid"/>
+                      <a:round/>
+                      <a:headEnd type="none" w="med" len="med"/>
+                      <a:tailEnd type="none" w="med" len="med"/>
+                    </a:lnT>
+                    <a:lnB w="12700" cap="flat" cmpd="sng" algn="ctr">
+                      <a:solidFill>
+                        <a:schemeClr val="tx1"/>
+                      </a:solidFill>
+                      <a:prstDash val="solid"/>
+                      <a:round/>
+                      <a:headEnd type="none" w="med" len="med"/>
+                      <a:tailEnd type="none" w="med" len="med"/>
+                    </a:lnB>
+                    <a:lnTlToBr w="12700" cmpd="sng">
+                      <a:noFill/>
+                      <a:prstDash val="solid"/>
+                    </a:lnTlToBr>
+                    <a:lnBlToTr w="12700" cmpd="sng">
+                      <a:noFill/>
+                      <a:prstDash val="solid"/>
+                    </a:lnBlToTr>
+                    <a:noFill/>
+                  </a:tcPr>
+                </a:tc>
+                <a:tc>
+                  <a:txBody>
+                    <a:bodyPr/>
+                    <a:lstStyle/>
+                    <a:p>
+                      <a:pPr algn="ctr"/>
+                      <a:r>
+                        <a:rPr lang="en-US" sz="800" b="0" dirty="0" smtClean="0">
+                          <a:solidFill>
+                            <a:schemeClr val="tx1"/>
+                          </a:solidFill>
+                        </a:rPr>
+                        <a:t>Clase 0</a:t>
+                      </a:r>
+                      <a:endParaRPr lang="es-UY" sz="800" b="0" dirty="0">
+                        <a:solidFill>
+                          <a:schemeClr val="tx1"/>
+                        </a:solidFill>
+                      </a:endParaRPr>
+                    </a:p>
+                  </a:txBody>
+                  <a:tcPr anchor="ctr">
+                    <a:lnL w="12700" cap="flat" cmpd="sng" algn="ctr">
+                      <a:solidFill>
+                        <a:schemeClr val="tx1"/>
+                      </a:solidFill>
+                      <a:prstDash val="solid"/>
+                      <a:round/>
+                      <a:headEnd type="none" w="med" len="med"/>
+                      <a:tailEnd type="none" w="med" len="med"/>
+                    </a:lnL>
+                    <a:lnR w="12700" cap="flat" cmpd="sng" algn="ctr">
+                      <a:solidFill>
+                        <a:schemeClr val="tx1"/>
+                      </a:solidFill>
+                      <a:prstDash val="solid"/>
+                      <a:round/>
+                      <a:headEnd type="none" w="med" len="med"/>
+                      <a:tailEnd type="none" w="med" len="med"/>
+                    </a:lnR>
+                    <a:lnT w="12700" cap="flat" cmpd="sng" algn="ctr">
+                      <a:solidFill>
+                        <a:schemeClr val="tx1"/>
+                      </a:solidFill>
+                      <a:prstDash val="solid"/>
+                      <a:round/>
+                      <a:headEnd type="none" w="med" len="med"/>
+                      <a:tailEnd type="none" w="med" len="med"/>
+                    </a:lnT>
+                    <a:lnB w="12700" cap="flat" cmpd="sng" algn="ctr">
+                      <a:solidFill>
+                        <a:schemeClr val="tx1"/>
+                      </a:solidFill>
+                      <a:prstDash val="solid"/>
+                      <a:round/>
+                      <a:headEnd type="none" w="med" len="med"/>
+                      <a:tailEnd type="none" w="med" len="med"/>
+                    </a:lnB>
+                    <a:lnTlToBr w="12700" cmpd="sng">
+                      <a:noFill/>
+                      <a:prstDash val="solid"/>
+                    </a:lnTlToBr>
+                    <a:lnBlToTr w="12700" cmpd="sng">
+                      <a:noFill/>
+                      <a:prstDash val="solid"/>
+                    </a:lnBlToTr>
+                    <a:noFill/>
+                  </a:tcPr>
+                </a:tc>
+                <a:tc>
+                  <a:txBody>
+                    <a:bodyPr/>
+                    <a:lstStyle/>
+                    <a:p>
+                      <a:pPr algn="ctr"/>
+                      <a:r>
+                        <a:rPr lang="en-US" sz="800" b="0" dirty="0" smtClean="0">
+                          <a:solidFill>
+                            <a:schemeClr val="tx1"/>
+                          </a:solidFill>
+                        </a:rPr>
+                        <a:t>Clase 1</a:t>
+                      </a:r>
+                      <a:endParaRPr lang="es-UY" sz="800" b="0" dirty="0">
+                        <a:solidFill>
+                          <a:schemeClr val="tx1"/>
+                        </a:solidFill>
+                      </a:endParaRPr>
+                    </a:p>
+                  </a:txBody>
+                  <a:tcPr anchor="ctr">
+                    <a:lnL w="12700" cap="flat" cmpd="sng" algn="ctr">
+                      <a:solidFill>
+                        <a:schemeClr val="tx1"/>
+                      </a:solidFill>
+                      <a:prstDash val="solid"/>
+                      <a:round/>
+                      <a:headEnd type="none" w="med" len="med"/>
+                      <a:tailEnd type="none" w="med" len="med"/>
+                    </a:lnL>
+                    <a:lnR w="12700" cap="flat" cmpd="sng" algn="ctr">
+                      <a:solidFill>
+                        <a:schemeClr val="tx1"/>
+                      </a:solidFill>
+                      <a:prstDash val="solid"/>
+                      <a:round/>
+                      <a:headEnd type="none" w="med" len="med"/>
+                      <a:tailEnd type="none" w="med" len="med"/>
+                    </a:lnR>
+                    <a:lnT w="12700" cap="flat" cmpd="sng" algn="ctr">
+                      <a:solidFill>
+                        <a:schemeClr val="tx1"/>
+                      </a:solidFill>
+                      <a:prstDash val="solid"/>
+                      <a:round/>
+                      <a:headEnd type="none" w="med" len="med"/>
+                      <a:tailEnd type="none" w="med" len="med"/>
+                    </a:lnT>
+                    <a:lnB w="12700" cap="flat" cmpd="sng" algn="ctr">
+                      <a:solidFill>
+                        <a:schemeClr val="tx1"/>
+                      </a:solidFill>
+                      <a:prstDash val="solid"/>
+                      <a:round/>
+                      <a:headEnd type="none" w="med" len="med"/>
+                      <a:tailEnd type="none" w="med" len="med"/>
+                    </a:lnB>
+                    <a:lnTlToBr w="12700" cmpd="sng">
+                      <a:noFill/>
+                      <a:prstDash val="solid"/>
+                    </a:lnTlToBr>
+                    <a:lnBlToTr w="12700" cmpd="sng">
+                      <a:noFill/>
+                      <a:prstDash val="solid"/>
+                    </a:lnBlToTr>
+                    <a:noFill/>
+                  </a:tcPr>
+                </a:tc>
+                <a:tc>
+                  <a:txBody>
+                    <a:bodyPr/>
+                    <a:lstStyle/>
+                    <a:p>
+                      <a:pPr algn="ctr"/>
+                      <a:r>
+                        <a:rPr lang="en-US" sz="800" b="0" dirty="0" smtClean="0">
+                          <a:solidFill>
+                            <a:schemeClr val="tx1"/>
+                          </a:solidFill>
+                        </a:rPr>
+                        <a:t>Clase 0</a:t>
+                      </a:r>
+                      <a:endParaRPr lang="es-UY" sz="800" b="0" dirty="0">
+                        <a:solidFill>
+                          <a:schemeClr val="tx1"/>
+                        </a:solidFill>
+                      </a:endParaRPr>
+                    </a:p>
+                  </a:txBody>
+                  <a:tcPr anchor="ctr">
+                    <a:lnL w="12700" cap="flat" cmpd="sng" algn="ctr">
+                      <a:solidFill>
+                        <a:schemeClr val="tx1"/>
+                      </a:solidFill>
+                      <a:prstDash val="solid"/>
+                      <a:round/>
+                      <a:headEnd type="none" w="med" len="med"/>
+                      <a:tailEnd type="none" w="med" len="med"/>
+                    </a:lnL>
+                    <a:lnR w="12700" cap="flat" cmpd="sng" algn="ctr">
+                      <a:solidFill>
+                        <a:schemeClr val="tx1"/>
+                      </a:solidFill>
+                      <a:prstDash val="solid"/>
+                      <a:round/>
+                      <a:headEnd type="none" w="med" len="med"/>
+                      <a:tailEnd type="none" w="med" len="med"/>
+                    </a:lnR>
+                    <a:lnT w="12700" cap="flat" cmpd="sng" algn="ctr">
+                      <a:solidFill>
+                        <a:schemeClr val="tx1"/>
+                      </a:solidFill>
+                      <a:prstDash val="solid"/>
+                      <a:round/>
+                      <a:headEnd type="none" w="med" len="med"/>
+                      <a:tailEnd type="none" w="med" len="med"/>
+                    </a:lnT>
+                    <a:lnB w="12700" cap="flat" cmpd="sng" algn="ctr">
+                      <a:solidFill>
+                        <a:schemeClr val="tx1"/>
+                      </a:solidFill>
+                      <a:prstDash val="solid"/>
+                      <a:round/>
+                      <a:headEnd type="none" w="med" len="med"/>
+                      <a:tailEnd type="none" w="med" len="med"/>
+                    </a:lnB>
+                    <a:lnTlToBr w="12700" cmpd="sng">
+                      <a:noFill/>
+                      <a:prstDash val="solid"/>
+                    </a:lnTlToBr>
+                    <a:lnBlToTr w="12700" cmpd="sng">
+                      <a:noFill/>
+                      <a:prstDash val="solid"/>
+                    </a:lnBlToTr>
+                    <a:noFill/>
+                  </a:tcPr>
+                </a:tc>
+                <a:tc>
+                  <a:txBody>
+                    <a:bodyPr/>
+                    <a:lstStyle/>
+                    <a:p>
+                      <a:pPr algn="ctr"/>
+                      <a:r>
+                        <a:rPr lang="en-US" sz="800" b="0" dirty="0" smtClean="0">
+                          <a:solidFill>
+                            <a:schemeClr val="tx1"/>
+                          </a:solidFill>
+                        </a:rPr>
+                        <a:t>Clase 1</a:t>
+                      </a:r>
+                      <a:endParaRPr lang="es-UY" sz="800" b="0" dirty="0">
+                        <a:solidFill>
+                          <a:schemeClr val="tx1"/>
+                        </a:solidFill>
+                      </a:endParaRPr>
+                    </a:p>
+                  </a:txBody>
+                  <a:tcPr anchor="ctr">
+                    <a:lnL w="12700" cap="flat" cmpd="sng" algn="ctr">
+                      <a:solidFill>
+                        <a:schemeClr val="tx1"/>
+                      </a:solidFill>
+                      <a:prstDash val="solid"/>
+                      <a:round/>
+                      <a:headEnd type="none" w="med" len="med"/>
+                      <a:tailEnd type="none" w="med" len="med"/>
+                    </a:lnL>
+                    <a:lnR w="12700" cap="flat" cmpd="sng" algn="ctr">
+                      <a:solidFill>
+                        <a:schemeClr val="tx1"/>
+                      </a:solidFill>
+                      <a:prstDash val="solid"/>
+                      <a:round/>
+                      <a:headEnd type="none" w="med" len="med"/>
+                      <a:tailEnd type="none" w="med" len="med"/>
+                    </a:lnR>
+                    <a:lnT w="12700" cap="flat" cmpd="sng" algn="ctr">
+                      <a:solidFill>
+                        <a:schemeClr val="tx1"/>
+                      </a:solidFill>
+                      <a:prstDash val="solid"/>
+                      <a:round/>
+                      <a:headEnd type="none" w="med" len="med"/>
+                      <a:tailEnd type="none" w="med" len="med"/>
+                    </a:lnT>
+                    <a:lnB w="12700" cap="flat" cmpd="sng" algn="ctr">
+                      <a:solidFill>
+                        <a:schemeClr val="tx1"/>
+                      </a:solidFill>
+                      <a:prstDash val="solid"/>
+                      <a:round/>
+                      <a:headEnd type="none" w="med" len="med"/>
+                      <a:tailEnd type="none" w="med" len="med"/>
+                    </a:lnB>
+                    <a:lnTlToBr w="12700" cmpd="sng">
+                      <a:noFill/>
+                      <a:prstDash val="solid"/>
+                    </a:lnTlToBr>
+                    <a:lnBlToTr w="12700" cmpd="sng">
+                      <a:noFill/>
+                      <a:prstDash val="solid"/>
+                    </a:lnBlToTr>
+                    <a:noFill/>
+                  </a:tcPr>
+                </a:tc>
+                <a:tc>
+                  <a:txBody>
+                    <a:bodyPr/>
+                    <a:lstStyle/>
+                    <a:p>
+                      <a:pPr algn="ctr"/>
+                      <a:r>
+                        <a:rPr lang="en-US" sz="800" b="0" dirty="0" smtClean="0">
+                          <a:solidFill>
+                            <a:schemeClr val="tx1"/>
+                          </a:solidFill>
+                        </a:rPr>
+                        <a:t>Clase 0</a:t>
+                      </a:r>
+                      <a:endParaRPr lang="es-UY" sz="800" b="0" dirty="0">
+                        <a:solidFill>
+                          <a:schemeClr val="tx1"/>
+                        </a:solidFill>
+                      </a:endParaRPr>
+                    </a:p>
+                  </a:txBody>
+                  <a:tcPr anchor="ctr">
+                    <a:lnL w="12700" cap="flat" cmpd="sng" algn="ctr">
+                      <a:solidFill>
+                        <a:schemeClr val="tx1"/>
+                      </a:solidFill>
+                      <a:prstDash val="solid"/>
+                      <a:round/>
+                      <a:headEnd type="none" w="med" len="med"/>
+                      <a:tailEnd type="none" w="med" len="med"/>
+                    </a:lnL>
+                    <a:lnR w="12700" cap="flat" cmpd="sng" algn="ctr">
+                      <a:solidFill>
+                        <a:schemeClr val="tx1"/>
+                      </a:solidFill>
+                      <a:prstDash val="solid"/>
+                      <a:round/>
+                      <a:headEnd type="none" w="med" len="med"/>
+                      <a:tailEnd type="none" w="med" len="med"/>
+                    </a:lnR>
+                    <a:lnT w="12700" cap="flat" cmpd="sng" algn="ctr">
+                      <a:solidFill>
+                        <a:schemeClr val="tx1"/>
+                      </a:solidFill>
+                      <a:prstDash val="solid"/>
+                      <a:round/>
+                      <a:headEnd type="none" w="med" len="med"/>
+                      <a:tailEnd type="none" w="med" len="med"/>
+                    </a:lnT>
+                    <a:lnB w="12700" cap="flat" cmpd="sng" algn="ctr">
+                      <a:solidFill>
+                        <a:schemeClr val="tx1"/>
+                      </a:solidFill>
+                      <a:prstDash val="solid"/>
+                      <a:round/>
+                      <a:headEnd type="none" w="med" len="med"/>
+                      <a:tailEnd type="none" w="med" len="med"/>
+                    </a:lnB>
+                    <a:lnTlToBr w="12700" cmpd="sng">
+                      <a:noFill/>
+                      <a:prstDash val="solid"/>
+                    </a:lnTlToBr>
+                    <a:lnBlToTr w="12700" cmpd="sng">
+                      <a:noFill/>
+                      <a:prstDash val="solid"/>
+                    </a:lnBlToTr>
+                    <a:noFill/>
+                  </a:tcPr>
+                </a:tc>
+                <a:tc>
+                  <a:txBody>
+                    <a:bodyPr/>
+                    <a:lstStyle/>
+                    <a:p>
+                      <a:pPr algn="ctr"/>
+                      <a:r>
+                        <a:rPr lang="en-US" sz="800" b="0" dirty="0" smtClean="0">
+                          <a:solidFill>
+                            <a:schemeClr val="tx1"/>
+                          </a:solidFill>
+                        </a:rPr>
+                        <a:t>Clase 1</a:t>
+                      </a:r>
+                      <a:endParaRPr lang="es-UY" sz="800" b="0" dirty="0">
+                        <a:solidFill>
+                          <a:schemeClr val="tx1"/>
+                        </a:solidFill>
+                      </a:endParaRPr>
+                    </a:p>
+                  </a:txBody>
+                  <a:tcPr anchor="ctr">
+                    <a:lnL w="12700" cap="flat" cmpd="sng" algn="ctr">
+                      <a:solidFill>
+                        <a:schemeClr val="tx1"/>
+                      </a:solidFill>
+                      <a:prstDash val="solid"/>
+                      <a:round/>
+                      <a:headEnd type="none" w="med" len="med"/>
+                      <a:tailEnd type="none" w="med" len="med"/>
+                    </a:lnL>
+                    <a:lnR w="12700" cap="flat" cmpd="sng" algn="ctr">
+                      <a:solidFill>
+                        <a:schemeClr val="tx1"/>
+                      </a:solidFill>
+                      <a:prstDash val="solid"/>
+                      <a:round/>
+                      <a:headEnd type="none" w="med" len="med"/>
+                      <a:tailEnd type="none" w="med" len="med"/>
+                    </a:lnR>
+                    <a:lnT w="12700" cap="flat" cmpd="sng" algn="ctr">
+                      <a:solidFill>
+                        <a:schemeClr val="tx1"/>
+                      </a:solidFill>
+                      <a:prstDash val="solid"/>
+                      <a:round/>
+                      <a:headEnd type="none" w="med" len="med"/>
+                      <a:tailEnd type="none" w="med" len="med"/>
+                    </a:lnT>
+                    <a:lnB w="12700" cap="flat" cmpd="sng" algn="ctr">
+                      <a:solidFill>
+                        <a:schemeClr val="tx1"/>
+                      </a:solidFill>
+                      <a:prstDash val="solid"/>
+                      <a:round/>
+                      <a:headEnd type="none" w="med" len="med"/>
+                      <a:tailEnd type="none" w="med" len="med"/>
+                    </a:lnB>
+                    <a:lnTlToBr w="12700" cmpd="sng">
+                      <a:noFill/>
+                      <a:prstDash val="solid"/>
+                    </a:lnTlToBr>
+                    <a:lnBlToTr w="12700" cmpd="sng">
+                      <a:noFill/>
+                      <a:prstDash val="solid"/>
+                    </a:lnBlToTr>
+                    <a:noFill/>
+                  </a:tcPr>
+                </a:tc>
+                <a:tc vMerge="1">
+                  <a:txBody>
+                    <a:bodyPr/>
+                    <a:lstStyle/>
+                    <a:p>
+                      <a:pPr algn="ctr"/>
+                      <a:endParaRPr lang="es-UY" sz="1000" b="0" dirty="0"/>
+                    </a:p>
+                  </a:txBody>
+                  <a:tcPr anchor="ctr"/>
+                </a:tc>
+                <a:extLst>
+                  <a:ext uri="{0D108BD9-81ED-4DB2-BD59-A6C34878D82A}">
+                    <a16:rowId xmlns:a16="http://schemas.microsoft.com/office/drawing/2014/main" val="3888505617"/>
+                  </a:ext>
+                </a:extLst>
+              </a:tr>
+              <a:tr h="548640">
+                <a:tc>
+                  <a:txBody>
+                    <a:bodyPr/>
+                    <a:lstStyle/>
+                    <a:p>
+                      <a:pPr algn="ctr"/>
+                      <a:r>
+                        <a:rPr lang="en-US" sz="1000" b="0" dirty="0" smtClean="0">
+                          <a:solidFill>
+                            <a:schemeClr val="tx1"/>
+                          </a:solidFill>
+                        </a:rPr>
+                        <a:t>Bosque</a:t>
+                      </a:r>
+                      <a:r>
+                        <a:rPr lang="en-US" sz="1000" b="0" baseline="0" dirty="0" smtClean="0">
+                          <a:solidFill>
+                            <a:schemeClr val="tx1"/>
+                          </a:solidFill>
+                        </a:rPr>
+                        <a:t> </a:t>
+                      </a:r>
+                      <a:r>
+                        <a:rPr lang="en-US" sz="1000" b="0" baseline="0" dirty="0" err="1" smtClean="0">
+                          <a:solidFill>
+                            <a:schemeClr val="tx1"/>
+                          </a:solidFill>
+                        </a:rPr>
+                        <a:t>Aleatorio</a:t>
+                      </a:r>
+                      <a:r>
+                        <a:rPr lang="en-US" sz="1000" b="0" baseline="0" dirty="0" smtClean="0">
+                          <a:solidFill>
+                            <a:schemeClr val="tx1"/>
+                          </a:solidFill>
+                        </a:rPr>
+                        <a:t> (</a:t>
+                      </a:r>
+                      <a:r>
+                        <a:rPr lang="en-US" sz="1000" b="0" baseline="0" dirty="0" err="1" smtClean="0">
+                          <a:solidFill>
+                            <a:schemeClr val="tx1"/>
+                          </a:solidFill>
+                        </a:rPr>
+                        <a:t>parámetros</a:t>
+                      </a:r>
+                      <a:r>
+                        <a:rPr lang="en-US" sz="1000" b="0" baseline="0" dirty="0" smtClean="0">
+                          <a:solidFill>
+                            <a:schemeClr val="tx1"/>
+                          </a:solidFill>
+                        </a:rPr>
+                        <a:t> </a:t>
+                      </a:r>
+                      <a:r>
+                        <a:rPr lang="en-US" sz="1000" b="0" baseline="0" dirty="0" err="1" smtClean="0">
+                          <a:solidFill>
+                            <a:schemeClr val="tx1"/>
+                          </a:solidFill>
+                        </a:rPr>
+                        <a:t>estándar</a:t>
+                      </a:r>
+                      <a:r>
+                        <a:rPr lang="en-US" sz="1000" b="0" baseline="0" dirty="0" smtClean="0">
+                          <a:solidFill>
+                            <a:schemeClr val="tx1"/>
+                          </a:solidFill>
+                        </a:rPr>
+                        <a:t>)</a:t>
+                      </a:r>
+                      <a:endParaRPr lang="es-UY" sz="1000" b="0" dirty="0">
+                        <a:solidFill>
+                          <a:schemeClr val="tx1"/>
+                        </a:solidFill>
+                      </a:endParaRPr>
+                    </a:p>
+                  </a:txBody>
+                  <a:tcPr anchor="ctr">
+                    <a:lnL w="12700" cap="flat" cmpd="sng" algn="ctr">
+                      <a:solidFill>
+                        <a:schemeClr val="tx1"/>
+                      </a:solidFill>
+                      <a:prstDash val="solid"/>
+                      <a:round/>
+                      <a:headEnd type="none" w="med" len="med"/>
+                      <a:tailEnd type="none" w="med" len="med"/>
+                    </a:lnL>
+                    <a:lnR w="12700" cap="flat" cmpd="sng" algn="ctr">
+                      <a:solidFill>
+                        <a:schemeClr val="tx1"/>
+                      </a:solidFill>
+                      <a:prstDash val="solid"/>
+                      <a:round/>
+                      <a:headEnd type="none" w="med" len="med"/>
+                      <a:tailEnd type="none" w="med" len="med"/>
+                    </a:lnR>
+                    <a:lnT w="12700" cap="flat" cmpd="sng" algn="ctr">
+                      <a:solidFill>
+                        <a:schemeClr val="tx1"/>
+                      </a:solidFill>
+                      <a:prstDash val="solid"/>
+                      <a:round/>
+                      <a:headEnd type="none" w="med" len="med"/>
+                      <a:tailEnd type="none" w="med" len="med"/>
+                    </a:lnT>
+                    <a:lnB w="12700" cap="flat" cmpd="sng" algn="ctr">
+                      <a:solidFill>
+                        <a:schemeClr val="tx1"/>
+                      </a:solidFill>
+                      <a:prstDash val="solid"/>
+                      <a:round/>
+                      <a:headEnd type="none" w="med" len="med"/>
+                      <a:tailEnd type="none" w="med" len="med"/>
+                    </a:lnB>
+                    <a:lnTlToBr w="12700" cmpd="sng">
+                      <a:noFill/>
+                      <a:prstDash val="solid"/>
+                    </a:lnTlToBr>
+                    <a:lnBlToTr w="12700" cmpd="sng">
+                      <a:noFill/>
+                      <a:prstDash val="solid"/>
+                    </a:lnBlToTr>
+                    <a:noFill/>
+                  </a:tcPr>
+                </a:tc>
+                <a:tc>
+                  <a:txBody>
+                    <a:bodyPr/>
+                    <a:lstStyle/>
+                    <a:p>
+                      <a:pPr algn="ctr"/>
+                      <a:r>
+                        <a:rPr lang="en-US" sz="1000" b="0" dirty="0" smtClean="0">
+                          <a:solidFill>
+                            <a:schemeClr val="tx1"/>
+                          </a:solidFill>
+                        </a:rPr>
+                        <a:t>100%</a:t>
+                      </a:r>
+                      <a:endParaRPr lang="es-UY" sz="1000" b="0" dirty="0">
+                        <a:solidFill>
+                          <a:schemeClr val="tx1"/>
+                        </a:solidFill>
+                      </a:endParaRPr>
+                    </a:p>
+                  </a:txBody>
+                  <a:tcPr anchor="ctr">
+                    <a:lnL w="12700" cap="flat" cmpd="sng" algn="ctr">
+                      <a:solidFill>
+                        <a:schemeClr val="tx1"/>
+                      </a:solidFill>
+                      <a:prstDash val="solid"/>
+                      <a:round/>
+                      <a:headEnd type="none" w="med" len="med"/>
+                      <a:tailEnd type="none" w="med" len="med"/>
+                    </a:lnL>
+                    <a:lnR w="12700" cap="flat" cmpd="sng" algn="ctr">
+                      <a:solidFill>
+                        <a:schemeClr val="tx1"/>
+                      </a:solidFill>
+                      <a:prstDash val="solid"/>
+                      <a:round/>
+                      <a:headEnd type="none" w="med" len="med"/>
+                      <a:tailEnd type="none" w="med" len="med"/>
+                    </a:lnR>
+                    <a:lnT w="12700" cap="flat" cmpd="sng" algn="ctr">
+                      <a:solidFill>
+                        <a:schemeClr val="tx1"/>
+                      </a:solidFill>
+                      <a:prstDash val="solid"/>
+                      <a:round/>
+                      <a:headEnd type="none" w="med" len="med"/>
+                      <a:tailEnd type="none" w="med" len="med"/>
+                    </a:lnT>
+                    <a:lnB w="12700" cap="flat" cmpd="sng" algn="ctr">
+                      <a:solidFill>
+                        <a:schemeClr val="tx1"/>
+                      </a:solidFill>
+                      <a:prstDash val="solid"/>
+                      <a:round/>
+                      <a:headEnd type="none" w="med" len="med"/>
+                      <a:tailEnd type="none" w="med" len="med"/>
+                    </a:lnB>
+                    <a:lnTlToBr w="12700" cmpd="sng">
+                      <a:noFill/>
+                      <a:prstDash val="solid"/>
+                    </a:lnTlToBr>
+                    <a:lnBlToTr w="12700" cmpd="sng">
+                      <a:noFill/>
+                      <a:prstDash val="solid"/>
+                    </a:lnBlToTr>
+                    <a:noFill/>
+                  </a:tcPr>
+                </a:tc>
+                <a:tc>
+                  <a:txBody>
+                    <a:bodyPr/>
+                    <a:lstStyle/>
+                    <a:p>
+                      <a:pPr algn="ctr"/>
+                      <a:r>
+                        <a:rPr lang="en-US" sz="1000" b="0" dirty="0" smtClean="0">
+                          <a:solidFill>
+                            <a:schemeClr val="tx1"/>
+                          </a:solidFill>
+                        </a:rPr>
+                        <a:t>95%</a:t>
+                      </a:r>
+                      <a:endParaRPr lang="es-UY" sz="1000" b="0" dirty="0">
+                        <a:solidFill>
+                          <a:schemeClr val="tx1"/>
+                        </a:solidFill>
+                      </a:endParaRPr>
+                    </a:p>
+                  </a:txBody>
+                  <a:tcPr anchor="ctr">
+                    <a:lnL w="12700" cap="flat" cmpd="sng" algn="ctr">
+                      <a:solidFill>
+                        <a:schemeClr val="tx1"/>
+                      </a:solidFill>
+                      <a:prstDash val="solid"/>
+                      <a:round/>
+                      <a:headEnd type="none" w="med" len="med"/>
+                      <a:tailEnd type="none" w="med" len="med"/>
+                    </a:lnL>
+                    <a:lnR w="12700" cap="flat" cmpd="sng" algn="ctr">
+                      <a:solidFill>
+                        <a:schemeClr val="tx1"/>
+                      </a:solidFill>
+                      <a:prstDash val="solid"/>
+                      <a:round/>
+                      <a:headEnd type="none" w="med" len="med"/>
+                      <a:tailEnd type="none" w="med" len="med"/>
+                    </a:lnR>
+                    <a:lnT w="12700" cap="flat" cmpd="sng" algn="ctr">
+                      <a:solidFill>
+                        <a:schemeClr val="tx1"/>
+                      </a:solidFill>
+                      <a:prstDash val="solid"/>
+                      <a:round/>
+                      <a:headEnd type="none" w="med" len="med"/>
+                      <a:tailEnd type="none" w="med" len="med"/>
+                    </a:lnT>
+                    <a:lnB w="12700" cap="flat" cmpd="sng" algn="ctr">
+                      <a:solidFill>
+                        <a:schemeClr val="tx1"/>
+                      </a:solidFill>
+                      <a:prstDash val="solid"/>
+                      <a:round/>
+                      <a:headEnd type="none" w="med" len="med"/>
+                      <a:tailEnd type="none" w="med" len="med"/>
+                    </a:lnB>
+                    <a:lnTlToBr w="12700" cmpd="sng">
+                      <a:noFill/>
+                      <a:prstDash val="solid"/>
+                    </a:lnTlToBr>
+                    <a:lnBlToTr w="12700" cmpd="sng">
+                      <a:noFill/>
+                      <a:prstDash val="solid"/>
+                    </a:lnBlToTr>
+                    <a:noFill/>
+                  </a:tcPr>
+                </a:tc>
+                <a:tc>
+                  <a:txBody>
+                    <a:bodyPr/>
+                    <a:lstStyle/>
+                    <a:p>
+                      <a:pPr algn="ctr"/>
+                      <a:r>
+                        <a:rPr lang="en-US" sz="1000" b="0" dirty="0" smtClean="0">
+                          <a:solidFill>
+                            <a:schemeClr val="tx1"/>
+                          </a:solidFill>
+                        </a:rPr>
+                        <a:t>98%</a:t>
+                      </a:r>
+                      <a:endParaRPr lang="es-UY" sz="1000" b="0" dirty="0">
+                        <a:solidFill>
+                          <a:schemeClr val="tx1"/>
+                        </a:solidFill>
+                      </a:endParaRPr>
+                    </a:p>
+                  </a:txBody>
+                  <a:tcPr anchor="ctr">
+                    <a:lnL w="12700" cap="flat" cmpd="sng" algn="ctr">
+                      <a:solidFill>
+                        <a:schemeClr val="tx1"/>
+                      </a:solidFill>
+                      <a:prstDash val="solid"/>
+                      <a:round/>
+                      <a:headEnd type="none" w="med" len="med"/>
+                      <a:tailEnd type="none" w="med" len="med"/>
+                    </a:lnL>
+                    <a:lnR w="12700" cap="flat" cmpd="sng" algn="ctr">
+                      <a:solidFill>
+                        <a:schemeClr val="tx1"/>
+                      </a:solidFill>
+                      <a:prstDash val="solid"/>
+                      <a:round/>
+                      <a:headEnd type="none" w="med" len="med"/>
+                      <a:tailEnd type="none" w="med" len="med"/>
+                    </a:lnR>
+                    <a:lnT w="12700" cap="flat" cmpd="sng" algn="ctr">
+                      <a:solidFill>
+                        <a:schemeClr val="tx1"/>
+                      </a:solidFill>
+                      <a:prstDash val="solid"/>
+                      <a:round/>
+                      <a:headEnd type="none" w="med" len="med"/>
+                      <a:tailEnd type="none" w="med" len="med"/>
+                    </a:lnT>
+                    <a:lnB w="12700" cap="flat" cmpd="sng" algn="ctr">
+                      <a:solidFill>
+                        <a:schemeClr val="tx1"/>
+                      </a:solidFill>
+                      <a:prstDash val="solid"/>
+                      <a:round/>
+                      <a:headEnd type="none" w="med" len="med"/>
+                      <a:tailEnd type="none" w="med" len="med"/>
+                    </a:lnB>
+                    <a:lnTlToBr w="12700" cmpd="sng">
+                      <a:noFill/>
+                      <a:prstDash val="solid"/>
+                    </a:lnTlToBr>
+                    <a:lnBlToTr w="12700" cmpd="sng">
+                      <a:noFill/>
+                      <a:prstDash val="solid"/>
+                    </a:lnBlToTr>
+                    <a:noFill/>
+                  </a:tcPr>
+                </a:tc>
+                <a:tc>
+                  <a:txBody>
+                    <a:bodyPr/>
+                    <a:lstStyle/>
+                    <a:p>
+                      <a:pPr algn="ctr"/>
+                      <a:r>
+                        <a:rPr lang="en-US" sz="1000" b="0" dirty="0" smtClean="0">
+                          <a:solidFill>
+                            <a:schemeClr val="tx1"/>
+                          </a:solidFill>
+                        </a:rPr>
+                        <a:t>29%</a:t>
+                      </a:r>
+                      <a:endParaRPr lang="es-UY" sz="1000" b="0" dirty="0">
+                        <a:solidFill>
+                          <a:schemeClr val="tx1"/>
+                        </a:solidFill>
+                      </a:endParaRPr>
+                    </a:p>
+                  </a:txBody>
+                  <a:tcPr anchor="ctr">
+                    <a:lnL w="12700" cap="flat" cmpd="sng" algn="ctr">
+                      <a:solidFill>
+                        <a:schemeClr val="tx1"/>
+                      </a:solidFill>
+                      <a:prstDash val="solid"/>
+                      <a:round/>
+                      <a:headEnd type="none" w="med" len="med"/>
+                      <a:tailEnd type="none" w="med" len="med"/>
+                    </a:lnL>
+                    <a:lnR w="12700" cap="flat" cmpd="sng" algn="ctr">
+                      <a:solidFill>
+                        <a:schemeClr val="tx1"/>
+                      </a:solidFill>
+                      <a:prstDash val="solid"/>
+                      <a:round/>
+                      <a:headEnd type="none" w="med" len="med"/>
+                      <a:tailEnd type="none" w="med" len="med"/>
+                    </a:lnR>
+                    <a:lnT w="12700" cap="flat" cmpd="sng" algn="ctr">
+                      <a:solidFill>
+                        <a:schemeClr val="tx1"/>
+                      </a:solidFill>
+                      <a:prstDash val="solid"/>
+                      <a:round/>
+                      <a:headEnd type="none" w="med" len="med"/>
+                      <a:tailEnd type="none" w="med" len="med"/>
+                    </a:lnT>
+                    <a:lnB w="12700" cap="flat" cmpd="sng" algn="ctr">
+                      <a:solidFill>
+                        <a:schemeClr val="tx1"/>
+                      </a:solidFill>
+                      <a:prstDash val="solid"/>
+                      <a:round/>
+                      <a:headEnd type="none" w="med" len="med"/>
+                      <a:tailEnd type="none" w="med" len="med"/>
+                    </a:lnB>
+                    <a:lnTlToBr w="12700" cmpd="sng">
+                      <a:noFill/>
+                      <a:prstDash val="solid"/>
+                    </a:lnTlToBr>
+                    <a:lnBlToTr w="12700" cmpd="sng">
+                      <a:noFill/>
+                      <a:prstDash val="solid"/>
+                    </a:lnBlToTr>
+                    <a:noFill/>
+                  </a:tcPr>
+                </a:tc>
+                <a:tc>
+                  <a:txBody>
+                    <a:bodyPr/>
+                    <a:lstStyle/>
+                    <a:p>
+                      <a:pPr algn="ctr"/>
+                      <a:r>
+                        <a:rPr lang="en-US" sz="1000" b="0" dirty="0" smtClean="0">
+                          <a:solidFill>
+                            <a:schemeClr val="tx1"/>
+                          </a:solidFill>
+                        </a:rPr>
+                        <a:t>97%</a:t>
+                      </a:r>
+                      <a:endParaRPr lang="es-UY" sz="1000" b="0" dirty="0">
+                        <a:solidFill>
+                          <a:schemeClr val="tx1"/>
+                        </a:solidFill>
+                      </a:endParaRPr>
+                    </a:p>
+                  </a:txBody>
+                  <a:tcPr anchor="ctr">
+                    <a:lnL w="12700" cap="flat" cmpd="sng" algn="ctr">
+                      <a:solidFill>
+                        <a:schemeClr val="tx1"/>
+                      </a:solidFill>
+                      <a:prstDash val="solid"/>
+                      <a:round/>
+                      <a:headEnd type="none" w="med" len="med"/>
+                      <a:tailEnd type="none" w="med" len="med"/>
+                    </a:lnL>
+                    <a:lnR w="12700" cap="flat" cmpd="sng" algn="ctr">
+                      <a:solidFill>
+                        <a:schemeClr val="tx1"/>
+                      </a:solidFill>
+                      <a:prstDash val="solid"/>
+                      <a:round/>
+                      <a:headEnd type="none" w="med" len="med"/>
+                      <a:tailEnd type="none" w="med" len="med"/>
+                    </a:lnR>
+                    <a:lnT w="12700" cap="flat" cmpd="sng" algn="ctr">
+                      <a:solidFill>
+                        <a:schemeClr val="tx1"/>
+                      </a:solidFill>
+                      <a:prstDash val="solid"/>
+                      <a:round/>
+                      <a:headEnd type="none" w="med" len="med"/>
+                      <a:tailEnd type="none" w="med" len="med"/>
+                    </a:lnT>
+                    <a:lnB w="12700" cap="flat" cmpd="sng" algn="ctr">
+                      <a:solidFill>
+                        <a:schemeClr val="tx1"/>
+                      </a:solidFill>
+                      <a:prstDash val="solid"/>
+                      <a:round/>
+                      <a:headEnd type="none" w="med" len="med"/>
+                      <a:tailEnd type="none" w="med" len="med"/>
+                    </a:lnB>
+                    <a:lnTlToBr w="12700" cmpd="sng">
+                      <a:noFill/>
+                      <a:prstDash val="solid"/>
+                    </a:lnTlToBr>
+                    <a:lnBlToTr w="12700" cmpd="sng">
+                      <a:noFill/>
+                      <a:prstDash val="solid"/>
+                    </a:lnBlToTr>
+                    <a:noFill/>
+                  </a:tcPr>
+                </a:tc>
+                <a:tc>
+                  <a:txBody>
+                    <a:bodyPr/>
+                    <a:lstStyle/>
+                    <a:p>
+                      <a:pPr algn="ctr"/>
+                      <a:r>
+                        <a:rPr lang="en-US" sz="1000" b="0" dirty="0" smtClean="0">
+                          <a:solidFill>
+                            <a:schemeClr val="tx1"/>
+                          </a:solidFill>
+                        </a:rPr>
+                        <a:t>41%</a:t>
+                      </a:r>
+                      <a:endParaRPr lang="es-UY" sz="1000" b="0" dirty="0">
+                        <a:solidFill>
+                          <a:schemeClr val="tx1"/>
+                        </a:solidFill>
+                      </a:endParaRPr>
+                    </a:p>
+                  </a:txBody>
+                  <a:tcPr anchor="ctr">
+                    <a:lnL w="12700" cap="flat" cmpd="sng" algn="ctr">
+                      <a:solidFill>
+                        <a:schemeClr val="tx1"/>
+                      </a:solidFill>
+                      <a:prstDash val="solid"/>
+                      <a:round/>
+                      <a:headEnd type="none" w="med" len="med"/>
+                      <a:tailEnd type="none" w="med" len="med"/>
+                    </a:lnL>
+                    <a:lnR w="12700" cap="flat" cmpd="sng" algn="ctr">
+                      <a:solidFill>
+                        <a:schemeClr val="tx1"/>
+                      </a:solidFill>
+                      <a:prstDash val="solid"/>
+                      <a:round/>
+                      <a:headEnd type="none" w="med" len="med"/>
+                      <a:tailEnd type="none" w="med" len="med"/>
+                    </a:lnR>
+                    <a:lnT w="12700" cap="flat" cmpd="sng" algn="ctr">
+                      <a:solidFill>
+                        <a:schemeClr val="tx1"/>
+                      </a:solidFill>
+                      <a:prstDash val="solid"/>
+                      <a:round/>
+                      <a:headEnd type="none" w="med" len="med"/>
+                      <a:tailEnd type="none" w="med" len="med"/>
+                    </a:lnT>
+                    <a:lnB w="12700" cap="flat" cmpd="sng" algn="ctr">
+                      <a:solidFill>
+                        <a:schemeClr val="tx1"/>
+                      </a:solidFill>
+                      <a:prstDash val="solid"/>
+                      <a:round/>
+                      <a:headEnd type="none" w="med" len="med"/>
+                      <a:tailEnd type="none" w="med" len="med"/>
+                    </a:lnB>
+                    <a:lnTlToBr w="12700" cmpd="sng">
+                      <a:noFill/>
+                      <a:prstDash val="solid"/>
+                    </a:lnTlToBr>
+                    <a:lnBlToTr w="12700" cmpd="sng">
+                      <a:noFill/>
+                      <a:prstDash val="solid"/>
+                    </a:lnBlToTr>
+                    <a:noFill/>
+                  </a:tcPr>
+                </a:tc>
+                <a:tc>
+                  <a:txBody>
+                    <a:bodyPr/>
+                    <a:lstStyle/>
+                    <a:p>
+                      <a:pPr algn="ctr"/>
+                      <a:r>
+                        <a:rPr lang="en-US" sz="1000" b="0" dirty="0" smtClean="0">
+                          <a:solidFill>
+                            <a:schemeClr val="tx1"/>
+                          </a:solidFill>
+                        </a:rPr>
+                        <a:t>97%</a:t>
+                      </a:r>
+                      <a:endParaRPr lang="es-UY" sz="1000" b="0" dirty="0">
+                        <a:solidFill>
+                          <a:schemeClr val="tx1"/>
+                        </a:solidFill>
+                      </a:endParaRPr>
+                    </a:p>
+                  </a:txBody>
+                  <a:tcPr anchor="ctr">
+                    <a:lnL w="12700" cap="flat" cmpd="sng" algn="ctr">
+                      <a:solidFill>
+                        <a:schemeClr val="tx1"/>
+                      </a:solidFill>
+                      <a:prstDash val="solid"/>
+                      <a:round/>
+                      <a:headEnd type="none" w="med" len="med"/>
+                      <a:tailEnd type="none" w="med" len="med"/>
+                    </a:lnL>
+                    <a:lnR w="12700" cap="flat" cmpd="sng" algn="ctr">
+                      <a:solidFill>
+                        <a:schemeClr val="tx1"/>
+                      </a:solidFill>
+                      <a:prstDash val="solid"/>
+                      <a:round/>
+                      <a:headEnd type="none" w="med" len="med"/>
+                      <a:tailEnd type="none" w="med" len="med"/>
+                    </a:lnR>
+                    <a:lnT w="12700" cap="flat" cmpd="sng" algn="ctr">
+                      <a:solidFill>
+                        <a:schemeClr val="tx1"/>
+                      </a:solidFill>
+                      <a:prstDash val="solid"/>
+                      <a:round/>
+                      <a:headEnd type="none" w="med" len="med"/>
+                      <a:tailEnd type="none" w="med" len="med"/>
+                    </a:lnT>
+                    <a:lnB w="12700" cap="flat" cmpd="sng" algn="ctr">
+                      <a:solidFill>
+                        <a:schemeClr val="tx1"/>
+                      </a:solidFill>
+                      <a:prstDash val="solid"/>
+                      <a:round/>
+                      <a:headEnd type="none" w="med" len="med"/>
+                      <a:tailEnd type="none" w="med" len="med"/>
+                    </a:lnB>
+                    <a:lnTlToBr w="12700" cmpd="sng">
+                      <a:noFill/>
+                      <a:prstDash val="solid"/>
+                    </a:lnTlToBr>
+                    <a:lnBlToTr w="12700" cmpd="sng">
+                      <a:noFill/>
+                      <a:prstDash val="solid"/>
+                    </a:lnBlToTr>
+                    <a:noFill/>
+                  </a:tcPr>
+                </a:tc>
+                <a:tc>
+                  <a:txBody>
+                    <a:bodyPr/>
+                    <a:lstStyle/>
+                    <a:p>
+                      <a:pPr algn="ctr"/>
+                      <a:r>
+                        <a:rPr lang="en-US" sz="1000" b="0" dirty="0" smtClean="0">
+                          <a:solidFill>
+                            <a:schemeClr val="tx1"/>
+                          </a:solidFill>
+                        </a:rPr>
+                        <a:t>34%</a:t>
+                      </a:r>
+                      <a:endParaRPr lang="es-UY" sz="1000" b="0" dirty="0">
+                        <a:solidFill>
+                          <a:schemeClr val="tx1"/>
+                        </a:solidFill>
+                      </a:endParaRPr>
+                    </a:p>
+                  </a:txBody>
+                  <a:tcPr anchor="ctr">
+                    <a:lnL w="12700" cap="flat" cmpd="sng" algn="ctr">
+                      <a:solidFill>
+                        <a:schemeClr val="tx1"/>
+                      </a:solidFill>
+                      <a:prstDash val="solid"/>
+                      <a:round/>
+                      <a:headEnd type="none" w="med" len="med"/>
+                      <a:tailEnd type="none" w="med" len="med"/>
+                    </a:lnL>
+                    <a:lnR w="12700" cap="flat" cmpd="sng" algn="ctr">
+                      <a:solidFill>
+                        <a:schemeClr val="tx1"/>
+                      </a:solidFill>
+                      <a:prstDash val="solid"/>
+                      <a:round/>
+                      <a:headEnd type="none" w="med" len="med"/>
+                      <a:tailEnd type="none" w="med" len="med"/>
+                    </a:lnR>
+                    <a:lnT w="12700" cap="flat" cmpd="sng" algn="ctr">
+                      <a:solidFill>
+                        <a:schemeClr val="tx1"/>
+                      </a:solidFill>
+                      <a:prstDash val="solid"/>
+                      <a:round/>
+                      <a:headEnd type="none" w="med" len="med"/>
+                      <a:tailEnd type="none" w="med" len="med"/>
+                    </a:lnT>
+                    <a:lnB w="12700" cap="flat" cmpd="sng" algn="ctr">
+                      <a:solidFill>
+                        <a:schemeClr val="tx1"/>
+                      </a:solidFill>
+                      <a:prstDash val="solid"/>
+                      <a:round/>
+                      <a:headEnd type="none" w="med" len="med"/>
+                      <a:tailEnd type="none" w="med" len="med"/>
+                    </a:lnB>
+                    <a:lnTlToBr w="12700" cmpd="sng">
+                      <a:noFill/>
+                      <a:prstDash val="solid"/>
+                    </a:lnTlToBr>
+                    <a:lnBlToTr w="12700" cmpd="sng">
+                      <a:noFill/>
+                      <a:prstDash val="solid"/>
+                    </a:lnBlToTr>
+                    <a:solidFill>
+                      <a:srgbClr val="00B050">
+                        <a:alpha val="25000"/>
+                      </a:srgbClr>
+                    </a:solidFill>
+                  </a:tcPr>
+                </a:tc>
+                <a:tc>
+                  <a:txBody>
+                    <a:bodyPr/>
+                    <a:lstStyle/>
+                    <a:p>
+                      <a:pPr algn="ctr"/>
+                      <a:r>
+                        <a:rPr lang="en-US" sz="1000" b="0" dirty="0" smtClean="0">
+                          <a:solidFill>
+                            <a:schemeClr val="tx1"/>
+                          </a:solidFill>
+                        </a:rPr>
+                        <a:t>92%</a:t>
+                      </a:r>
+                      <a:endParaRPr lang="es-UY" sz="1000" b="0" dirty="0">
+                        <a:solidFill>
+                          <a:schemeClr val="tx1"/>
+                        </a:solidFill>
+                      </a:endParaRPr>
+                    </a:p>
+                  </a:txBody>
+                  <a:tcPr anchor="ctr">
+                    <a:lnL w="12700" cap="flat" cmpd="sng" algn="ctr">
+                      <a:solidFill>
+                        <a:schemeClr val="tx1"/>
+                      </a:solidFill>
+                      <a:prstDash val="solid"/>
+                      <a:round/>
+                      <a:headEnd type="none" w="med" len="med"/>
+                      <a:tailEnd type="none" w="med" len="med"/>
+                    </a:lnL>
+                    <a:lnR w="12700" cap="flat" cmpd="sng" algn="ctr">
+                      <a:solidFill>
+                        <a:schemeClr val="tx1"/>
+                      </a:solidFill>
+                      <a:prstDash val="solid"/>
+                      <a:round/>
+                      <a:headEnd type="none" w="med" len="med"/>
+                      <a:tailEnd type="none" w="med" len="med"/>
+                    </a:lnR>
+                    <a:lnT w="12700" cap="flat" cmpd="sng" algn="ctr">
+                      <a:solidFill>
+                        <a:schemeClr val="tx1"/>
+                      </a:solidFill>
+                      <a:prstDash val="solid"/>
+                      <a:round/>
+                      <a:headEnd type="none" w="med" len="med"/>
+                      <a:tailEnd type="none" w="med" len="med"/>
+                    </a:lnT>
+                    <a:lnB w="12700" cap="flat" cmpd="sng" algn="ctr">
+                      <a:solidFill>
+                        <a:schemeClr val="tx1"/>
+                      </a:solidFill>
+                      <a:prstDash val="solid"/>
+                      <a:round/>
+                      <a:headEnd type="none" w="med" len="med"/>
+                      <a:tailEnd type="none" w="med" len="med"/>
+                    </a:lnB>
+                    <a:lnTlToBr w="12700" cmpd="sng">
+                      <a:noFill/>
+                      <a:prstDash val="solid"/>
+                    </a:lnTlToBr>
+                    <a:lnBlToTr w="12700" cmpd="sng">
+                      <a:noFill/>
+                      <a:prstDash val="solid"/>
+                    </a:lnBlToTr>
+                    <a:noFill/>
+                  </a:tcPr>
+                </a:tc>
+                <a:extLst>
+                  <a:ext uri="{0D108BD9-81ED-4DB2-BD59-A6C34878D82A}">
+                    <a16:rowId xmlns:a16="http://schemas.microsoft.com/office/drawing/2014/main" val="2735721235"/>
+                  </a:ext>
+                </a:extLst>
+              </a:tr>
+              <a:tr h="548640">
+                <a:tc>
+                  <a:txBody>
+                    <a:bodyPr/>
+                    <a:lstStyle/>
+                    <a:p>
+                      <a:pPr algn="ctr"/>
+                      <a:r>
+                        <a:rPr lang="en-US" sz="1000" b="0" dirty="0" smtClean="0">
+                          <a:solidFill>
+                            <a:schemeClr val="tx1"/>
+                          </a:solidFill>
+                        </a:rPr>
+                        <a:t>Bosque</a:t>
+                      </a:r>
+                      <a:r>
+                        <a:rPr lang="en-US" sz="1000" b="0" baseline="0" dirty="0" smtClean="0">
+                          <a:solidFill>
+                            <a:schemeClr val="tx1"/>
+                          </a:solidFill>
+                        </a:rPr>
+                        <a:t> </a:t>
+                      </a:r>
+                      <a:r>
+                        <a:rPr lang="en-US" sz="1000" b="0" baseline="0" dirty="0" err="1" smtClean="0">
+                          <a:solidFill>
+                            <a:schemeClr val="tx1"/>
+                          </a:solidFill>
+                        </a:rPr>
+                        <a:t>Aleatorio</a:t>
+                      </a:r>
+                      <a:r>
+                        <a:rPr lang="en-US" sz="1000" b="0" baseline="0" dirty="0" smtClean="0">
+                          <a:solidFill>
+                            <a:schemeClr val="tx1"/>
+                          </a:solidFill>
+                        </a:rPr>
+                        <a:t> (</a:t>
+                      </a:r>
+                      <a:r>
+                        <a:rPr lang="en-US" sz="1000" b="0" baseline="0" dirty="0" err="1" smtClean="0">
+                          <a:solidFill>
+                            <a:schemeClr val="tx1"/>
+                          </a:solidFill>
+                        </a:rPr>
+                        <a:t>hyperparámetros</a:t>
+                      </a:r>
+                      <a:r>
+                        <a:rPr lang="en-US" sz="1000" b="0" baseline="0" dirty="0" smtClean="0">
+                          <a:solidFill>
+                            <a:schemeClr val="tx1"/>
+                          </a:solidFill>
+                        </a:rPr>
+                        <a:t>)</a:t>
+                      </a:r>
+                      <a:endParaRPr lang="es-UY" sz="1000" b="0" dirty="0">
+                        <a:solidFill>
+                          <a:schemeClr val="tx1"/>
+                        </a:solidFill>
+                      </a:endParaRPr>
+                    </a:p>
+                  </a:txBody>
+                  <a:tcPr anchor="ctr">
+                    <a:lnL w="12700" cap="flat" cmpd="sng" algn="ctr">
+                      <a:solidFill>
+                        <a:schemeClr val="tx1"/>
+                      </a:solidFill>
+                      <a:prstDash val="solid"/>
+                      <a:round/>
+                      <a:headEnd type="none" w="med" len="med"/>
+                      <a:tailEnd type="none" w="med" len="med"/>
+                    </a:lnL>
+                    <a:lnR w="12700" cap="flat" cmpd="sng" algn="ctr">
+                      <a:solidFill>
+                        <a:schemeClr val="tx1"/>
+                      </a:solidFill>
+                      <a:prstDash val="solid"/>
+                      <a:round/>
+                      <a:headEnd type="none" w="med" len="med"/>
+                      <a:tailEnd type="none" w="med" len="med"/>
+                    </a:lnR>
+                    <a:lnT w="12700" cap="flat" cmpd="sng" algn="ctr">
+                      <a:solidFill>
+                        <a:schemeClr val="tx1"/>
+                      </a:solidFill>
+                      <a:prstDash val="solid"/>
+                      <a:round/>
+                      <a:headEnd type="none" w="med" len="med"/>
+                      <a:tailEnd type="none" w="med" len="med"/>
+                    </a:lnT>
+                    <a:lnB w="12700" cap="flat" cmpd="sng" algn="ctr">
+                      <a:solidFill>
+                        <a:schemeClr val="tx1"/>
+                      </a:solidFill>
+                      <a:prstDash val="solid"/>
+                      <a:round/>
+                      <a:headEnd type="none" w="med" len="med"/>
+                      <a:tailEnd type="none" w="med" len="med"/>
+                    </a:lnB>
+                    <a:lnTlToBr w="12700" cmpd="sng">
+                      <a:noFill/>
+                      <a:prstDash val="solid"/>
+                    </a:lnTlToBr>
+                    <a:lnBlToTr w="12700" cmpd="sng">
+                      <a:noFill/>
+                      <a:prstDash val="solid"/>
+                    </a:lnBlToTr>
+                    <a:noFill/>
+                  </a:tcPr>
+                </a:tc>
+                <a:tc>
+                  <a:txBody>
+                    <a:bodyPr/>
+                    <a:lstStyle/>
+                    <a:p>
+                      <a:pPr algn="ctr"/>
+                      <a:r>
+                        <a:rPr lang="en-US" sz="1000" b="0" dirty="0" smtClean="0">
+                          <a:solidFill>
+                            <a:schemeClr val="tx1"/>
+                          </a:solidFill>
+                        </a:rPr>
+                        <a:t>100%</a:t>
+                      </a:r>
+                      <a:endParaRPr lang="es-UY" sz="1000" b="0" dirty="0">
+                        <a:solidFill>
+                          <a:schemeClr val="tx1"/>
+                        </a:solidFill>
+                      </a:endParaRPr>
+                    </a:p>
+                  </a:txBody>
+                  <a:tcPr anchor="ctr">
+                    <a:lnL w="12700" cap="flat" cmpd="sng" algn="ctr">
+                      <a:solidFill>
+                        <a:schemeClr val="tx1"/>
+                      </a:solidFill>
+                      <a:prstDash val="solid"/>
+                      <a:round/>
+                      <a:headEnd type="none" w="med" len="med"/>
+                      <a:tailEnd type="none" w="med" len="med"/>
+                    </a:lnL>
+                    <a:lnR w="12700" cap="flat" cmpd="sng" algn="ctr">
+                      <a:solidFill>
+                        <a:schemeClr val="tx1"/>
+                      </a:solidFill>
+                      <a:prstDash val="solid"/>
+                      <a:round/>
+                      <a:headEnd type="none" w="med" len="med"/>
+                      <a:tailEnd type="none" w="med" len="med"/>
+                    </a:lnR>
+                    <a:lnT w="12700" cap="flat" cmpd="sng" algn="ctr">
+                      <a:solidFill>
+                        <a:schemeClr val="tx1"/>
+                      </a:solidFill>
+                      <a:prstDash val="solid"/>
+                      <a:round/>
+                      <a:headEnd type="none" w="med" len="med"/>
+                      <a:tailEnd type="none" w="med" len="med"/>
+                    </a:lnT>
+                    <a:lnB w="12700" cap="flat" cmpd="sng" algn="ctr">
+                      <a:solidFill>
+                        <a:schemeClr val="tx1"/>
+                      </a:solidFill>
+                      <a:prstDash val="solid"/>
+                      <a:round/>
+                      <a:headEnd type="none" w="med" len="med"/>
+                      <a:tailEnd type="none" w="med" len="med"/>
+                    </a:lnB>
+                    <a:lnTlToBr w="12700" cmpd="sng">
+                      <a:noFill/>
+                      <a:prstDash val="solid"/>
+                    </a:lnTlToBr>
+                    <a:lnBlToTr w="12700" cmpd="sng">
+                      <a:noFill/>
+                      <a:prstDash val="solid"/>
+                    </a:lnBlToTr>
+                    <a:noFill/>
+                  </a:tcPr>
+                </a:tc>
+                <a:tc>
+                  <a:txBody>
+                    <a:bodyPr/>
+                    <a:lstStyle/>
+                    <a:p>
+                      <a:pPr algn="ctr"/>
+                      <a:r>
+                        <a:rPr lang="en-US" sz="1000" b="0" dirty="0" smtClean="0">
+                          <a:solidFill>
+                            <a:schemeClr val="tx1"/>
+                          </a:solidFill>
+                        </a:rPr>
+                        <a:t>95%</a:t>
+                      </a:r>
+                      <a:endParaRPr lang="es-UY" sz="1000" b="0" dirty="0">
+                        <a:solidFill>
+                          <a:schemeClr val="tx1"/>
+                        </a:solidFill>
+                      </a:endParaRPr>
+                    </a:p>
+                  </a:txBody>
+                  <a:tcPr anchor="ctr">
+                    <a:lnL w="12700" cap="flat" cmpd="sng" algn="ctr">
+                      <a:solidFill>
+                        <a:schemeClr val="tx1"/>
+                      </a:solidFill>
+                      <a:prstDash val="solid"/>
+                      <a:round/>
+                      <a:headEnd type="none" w="med" len="med"/>
+                      <a:tailEnd type="none" w="med" len="med"/>
+                    </a:lnL>
+                    <a:lnR w="12700" cap="flat" cmpd="sng" algn="ctr">
+                      <a:solidFill>
+                        <a:schemeClr val="tx1"/>
+                      </a:solidFill>
+                      <a:prstDash val="solid"/>
+                      <a:round/>
+                      <a:headEnd type="none" w="med" len="med"/>
+                      <a:tailEnd type="none" w="med" len="med"/>
+                    </a:lnR>
+                    <a:lnT w="12700" cap="flat" cmpd="sng" algn="ctr">
+                      <a:solidFill>
+                        <a:schemeClr val="tx1"/>
+                      </a:solidFill>
+                      <a:prstDash val="solid"/>
+                      <a:round/>
+                      <a:headEnd type="none" w="med" len="med"/>
+                      <a:tailEnd type="none" w="med" len="med"/>
+                    </a:lnT>
+                    <a:lnB w="12700" cap="flat" cmpd="sng" algn="ctr">
+                      <a:solidFill>
+                        <a:schemeClr val="tx1"/>
+                      </a:solidFill>
+                      <a:prstDash val="solid"/>
+                      <a:round/>
+                      <a:headEnd type="none" w="med" len="med"/>
+                      <a:tailEnd type="none" w="med" len="med"/>
+                    </a:lnB>
+                    <a:lnTlToBr w="12700" cmpd="sng">
+                      <a:noFill/>
+                      <a:prstDash val="solid"/>
+                    </a:lnTlToBr>
+                    <a:lnBlToTr w="12700" cmpd="sng">
+                      <a:noFill/>
+                      <a:prstDash val="solid"/>
+                    </a:lnBlToTr>
+                    <a:noFill/>
+                  </a:tcPr>
+                </a:tc>
+                <a:tc>
+                  <a:txBody>
+                    <a:bodyPr/>
+                    <a:lstStyle/>
+                    <a:p>
+                      <a:pPr algn="ctr"/>
+                      <a:r>
+                        <a:rPr lang="en-US" sz="1000" b="0" dirty="0" smtClean="0">
+                          <a:solidFill>
+                            <a:schemeClr val="tx1"/>
+                          </a:solidFill>
+                        </a:rPr>
+                        <a:t>98%</a:t>
+                      </a:r>
+                      <a:endParaRPr lang="es-UY" sz="1000" b="0" dirty="0">
+                        <a:solidFill>
+                          <a:schemeClr val="tx1"/>
+                        </a:solidFill>
+                      </a:endParaRPr>
+                    </a:p>
+                  </a:txBody>
+                  <a:tcPr anchor="ctr">
+                    <a:lnL w="12700" cap="flat" cmpd="sng" algn="ctr">
+                      <a:solidFill>
+                        <a:schemeClr val="tx1"/>
+                      </a:solidFill>
+                      <a:prstDash val="solid"/>
+                      <a:round/>
+                      <a:headEnd type="none" w="med" len="med"/>
+                      <a:tailEnd type="none" w="med" len="med"/>
+                    </a:lnL>
+                    <a:lnR w="12700" cap="flat" cmpd="sng" algn="ctr">
+                      <a:solidFill>
+                        <a:schemeClr val="tx1"/>
+                      </a:solidFill>
+                      <a:prstDash val="solid"/>
+                      <a:round/>
+                      <a:headEnd type="none" w="med" len="med"/>
+                      <a:tailEnd type="none" w="med" len="med"/>
+                    </a:lnR>
+                    <a:lnT w="12700" cap="flat" cmpd="sng" algn="ctr">
+                      <a:solidFill>
+                        <a:schemeClr val="tx1"/>
+                      </a:solidFill>
+                      <a:prstDash val="solid"/>
+                      <a:round/>
+                      <a:headEnd type="none" w="med" len="med"/>
+                      <a:tailEnd type="none" w="med" len="med"/>
+                    </a:lnT>
+                    <a:lnB w="12700" cap="flat" cmpd="sng" algn="ctr">
+                      <a:solidFill>
+                        <a:schemeClr val="tx1"/>
+                      </a:solidFill>
+                      <a:prstDash val="solid"/>
+                      <a:round/>
+                      <a:headEnd type="none" w="med" len="med"/>
+                      <a:tailEnd type="none" w="med" len="med"/>
+                    </a:lnB>
+                    <a:lnTlToBr w="12700" cmpd="sng">
+                      <a:noFill/>
+                      <a:prstDash val="solid"/>
+                    </a:lnTlToBr>
+                    <a:lnBlToTr w="12700" cmpd="sng">
+                      <a:noFill/>
+                      <a:prstDash val="solid"/>
+                    </a:lnBlToTr>
+                    <a:noFill/>
+                  </a:tcPr>
+                </a:tc>
+                <a:tc>
+                  <a:txBody>
+                    <a:bodyPr/>
+                    <a:lstStyle/>
+                    <a:p>
+                      <a:pPr algn="ctr"/>
+                      <a:r>
+                        <a:rPr lang="en-US" sz="1000" b="0" dirty="0" smtClean="0">
+                          <a:solidFill>
+                            <a:schemeClr val="tx1"/>
+                          </a:solidFill>
+                        </a:rPr>
+                        <a:t>31%</a:t>
+                      </a:r>
+                      <a:endParaRPr lang="es-UY" sz="1000" b="0" dirty="0">
+                        <a:solidFill>
+                          <a:schemeClr val="tx1"/>
+                        </a:solidFill>
+                      </a:endParaRPr>
+                    </a:p>
+                  </a:txBody>
+                  <a:tcPr anchor="ctr">
+                    <a:lnL w="12700" cap="flat" cmpd="sng" algn="ctr">
+                      <a:solidFill>
+                        <a:schemeClr val="tx1"/>
+                      </a:solidFill>
+                      <a:prstDash val="solid"/>
+                      <a:round/>
+                      <a:headEnd type="none" w="med" len="med"/>
+                      <a:tailEnd type="none" w="med" len="med"/>
+                    </a:lnL>
+                    <a:lnR w="12700" cap="flat" cmpd="sng" algn="ctr">
+                      <a:solidFill>
+                        <a:schemeClr val="tx1"/>
+                      </a:solidFill>
+                      <a:prstDash val="solid"/>
+                      <a:round/>
+                      <a:headEnd type="none" w="med" len="med"/>
+                      <a:tailEnd type="none" w="med" len="med"/>
+                    </a:lnR>
+                    <a:lnT w="12700" cap="flat" cmpd="sng" algn="ctr">
+                      <a:solidFill>
+                        <a:schemeClr val="tx1"/>
+                      </a:solidFill>
+                      <a:prstDash val="solid"/>
+                      <a:round/>
+                      <a:headEnd type="none" w="med" len="med"/>
+                      <a:tailEnd type="none" w="med" len="med"/>
+                    </a:lnT>
+                    <a:lnB w="12700" cap="flat" cmpd="sng" algn="ctr">
+                      <a:solidFill>
+                        <a:schemeClr val="tx1"/>
+                      </a:solidFill>
+                      <a:prstDash val="solid"/>
+                      <a:round/>
+                      <a:headEnd type="none" w="med" len="med"/>
+                      <a:tailEnd type="none" w="med" len="med"/>
+                    </a:lnB>
+                    <a:lnTlToBr w="12700" cmpd="sng">
+                      <a:noFill/>
+                      <a:prstDash val="solid"/>
+                    </a:lnTlToBr>
+                    <a:lnBlToTr w="12700" cmpd="sng">
+                      <a:noFill/>
+                      <a:prstDash val="solid"/>
+                    </a:lnBlToTr>
+                    <a:noFill/>
+                  </a:tcPr>
+                </a:tc>
+                <a:tc>
+                  <a:txBody>
+                    <a:bodyPr/>
+                    <a:lstStyle/>
+                    <a:p>
+                      <a:pPr algn="ctr"/>
+                      <a:r>
+                        <a:rPr lang="en-US" sz="1000" b="0" dirty="0" smtClean="0">
+                          <a:solidFill>
+                            <a:schemeClr val="tx1"/>
+                          </a:solidFill>
+                        </a:rPr>
+                        <a:t>97%</a:t>
+                      </a:r>
+                      <a:endParaRPr lang="es-UY" sz="1000" b="0" dirty="0">
+                        <a:solidFill>
+                          <a:schemeClr val="tx1"/>
+                        </a:solidFill>
+                      </a:endParaRPr>
+                    </a:p>
+                  </a:txBody>
+                  <a:tcPr anchor="ctr">
+                    <a:lnL w="12700" cap="flat" cmpd="sng" algn="ctr">
+                      <a:solidFill>
+                        <a:schemeClr val="tx1"/>
+                      </a:solidFill>
+                      <a:prstDash val="solid"/>
+                      <a:round/>
+                      <a:headEnd type="none" w="med" len="med"/>
+                      <a:tailEnd type="none" w="med" len="med"/>
+                    </a:lnL>
+                    <a:lnR w="12700" cap="flat" cmpd="sng" algn="ctr">
+                      <a:solidFill>
+                        <a:schemeClr val="tx1"/>
+                      </a:solidFill>
+                      <a:prstDash val="solid"/>
+                      <a:round/>
+                      <a:headEnd type="none" w="med" len="med"/>
+                      <a:tailEnd type="none" w="med" len="med"/>
+                    </a:lnR>
+                    <a:lnT w="12700" cap="flat" cmpd="sng" algn="ctr">
+                      <a:solidFill>
+                        <a:schemeClr val="tx1"/>
+                      </a:solidFill>
+                      <a:prstDash val="solid"/>
+                      <a:round/>
+                      <a:headEnd type="none" w="med" len="med"/>
+                      <a:tailEnd type="none" w="med" len="med"/>
+                    </a:lnT>
+                    <a:lnB w="12700" cap="flat" cmpd="sng" algn="ctr">
+                      <a:solidFill>
+                        <a:schemeClr val="tx1"/>
+                      </a:solidFill>
+                      <a:prstDash val="solid"/>
+                      <a:round/>
+                      <a:headEnd type="none" w="med" len="med"/>
+                      <a:tailEnd type="none" w="med" len="med"/>
+                    </a:lnB>
+                    <a:lnTlToBr w="12700" cmpd="sng">
+                      <a:noFill/>
+                      <a:prstDash val="solid"/>
+                    </a:lnTlToBr>
+                    <a:lnBlToTr w="12700" cmpd="sng">
+                      <a:noFill/>
+                      <a:prstDash val="solid"/>
+                    </a:lnBlToTr>
+                    <a:noFill/>
+                  </a:tcPr>
+                </a:tc>
+                <a:tc>
+                  <a:txBody>
+                    <a:bodyPr/>
+                    <a:lstStyle/>
+                    <a:p>
+                      <a:pPr algn="ctr"/>
+                      <a:r>
+                        <a:rPr lang="en-US" sz="1000" b="0" dirty="0" smtClean="0">
+                          <a:solidFill>
+                            <a:schemeClr val="tx1"/>
+                          </a:solidFill>
+                        </a:rPr>
+                        <a:t>45%</a:t>
+                      </a:r>
+                      <a:endParaRPr lang="es-UY" sz="1000" b="0" dirty="0">
+                        <a:solidFill>
+                          <a:schemeClr val="tx1"/>
+                        </a:solidFill>
+                      </a:endParaRPr>
+                    </a:p>
+                  </a:txBody>
+                  <a:tcPr anchor="ctr">
+                    <a:lnL w="12700" cap="flat" cmpd="sng" algn="ctr">
+                      <a:solidFill>
+                        <a:schemeClr val="tx1"/>
+                      </a:solidFill>
+                      <a:prstDash val="solid"/>
+                      <a:round/>
+                      <a:headEnd type="none" w="med" len="med"/>
+                      <a:tailEnd type="none" w="med" len="med"/>
+                    </a:lnL>
+                    <a:lnR w="12700" cap="flat" cmpd="sng" algn="ctr">
+                      <a:solidFill>
+                        <a:schemeClr val="tx1"/>
+                      </a:solidFill>
+                      <a:prstDash val="solid"/>
+                      <a:round/>
+                      <a:headEnd type="none" w="med" len="med"/>
+                      <a:tailEnd type="none" w="med" len="med"/>
+                    </a:lnR>
+                    <a:lnT w="12700" cap="flat" cmpd="sng" algn="ctr">
+                      <a:solidFill>
+                        <a:schemeClr val="tx1"/>
+                      </a:solidFill>
+                      <a:prstDash val="solid"/>
+                      <a:round/>
+                      <a:headEnd type="none" w="med" len="med"/>
+                      <a:tailEnd type="none" w="med" len="med"/>
+                    </a:lnT>
+                    <a:lnB w="12700" cap="flat" cmpd="sng" algn="ctr">
+                      <a:solidFill>
+                        <a:schemeClr val="tx1"/>
+                      </a:solidFill>
+                      <a:prstDash val="solid"/>
+                      <a:round/>
+                      <a:headEnd type="none" w="med" len="med"/>
+                      <a:tailEnd type="none" w="med" len="med"/>
+                    </a:lnB>
+                    <a:lnTlToBr w="12700" cmpd="sng">
+                      <a:noFill/>
+                      <a:prstDash val="solid"/>
+                    </a:lnTlToBr>
+                    <a:lnBlToTr w="12700" cmpd="sng">
+                      <a:noFill/>
+                      <a:prstDash val="solid"/>
+                    </a:lnBlToTr>
+                    <a:noFill/>
+                  </a:tcPr>
+                </a:tc>
+                <a:tc>
+                  <a:txBody>
+                    <a:bodyPr/>
+                    <a:lstStyle/>
+                    <a:p>
+                      <a:pPr algn="ctr"/>
+                      <a:r>
+                        <a:rPr lang="en-US" sz="1000" b="0" dirty="0" smtClean="0">
+                          <a:solidFill>
+                            <a:schemeClr val="tx1"/>
+                          </a:solidFill>
+                        </a:rPr>
+                        <a:t>97%</a:t>
+                      </a:r>
+                      <a:endParaRPr lang="es-UY" sz="1000" b="0" dirty="0">
+                        <a:solidFill>
+                          <a:schemeClr val="tx1"/>
+                        </a:solidFill>
+                      </a:endParaRPr>
+                    </a:p>
+                  </a:txBody>
+                  <a:tcPr anchor="ctr">
+                    <a:lnL w="12700" cap="flat" cmpd="sng" algn="ctr">
+                      <a:solidFill>
+                        <a:schemeClr val="tx1"/>
+                      </a:solidFill>
+                      <a:prstDash val="solid"/>
+                      <a:round/>
+                      <a:headEnd type="none" w="med" len="med"/>
+                      <a:tailEnd type="none" w="med" len="med"/>
+                    </a:lnL>
+                    <a:lnR w="12700" cap="flat" cmpd="sng" algn="ctr">
+                      <a:solidFill>
+                        <a:schemeClr val="tx1"/>
+                      </a:solidFill>
+                      <a:prstDash val="solid"/>
+                      <a:round/>
+                      <a:headEnd type="none" w="med" len="med"/>
+                      <a:tailEnd type="none" w="med" len="med"/>
+                    </a:lnR>
+                    <a:lnT w="12700" cap="flat" cmpd="sng" algn="ctr">
+                      <a:solidFill>
+                        <a:schemeClr val="tx1"/>
+                      </a:solidFill>
+                      <a:prstDash val="solid"/>
+                      <a:round/>
+                      <a:headEnd type="none" w="med" len="med"/>
+                      <a:tailEnd type="none" w="med" len="med"/>
+                    </a:lnT>
+                    <a:lnB w="12700" cap="flat" cmpd="sng" algn="ctr">
+                      <a:solidFill>
+                        <a:schemeClr val="tx1"/>
+                      </a:solidFill>
+                      <a:prstDash val="solid"/>
+                      <a:round/>
+                      <a:headEnd type="none" w="med" len="med"/>
+                      <a:tailEnd type="none" w="med" len="med"/>
+                    </a:lnB>
+                    <a:lnTlToBr w="12700" cmpd="sng">
+                      <a:noFill/>
+                      <a:prstDash val="solid"/>
+                    </a:lnTlToBr>
+                    <a:lnBlToTr w="12700" cmpd="sng">
+                      <a:noFill/>
+                      <a:prstDash val="solid"/>
+                    </a:lnBlToTr>
+                    <a:noFill/>
+                  </a:tcPr>
+                </a:tc>
+                <a:tc>
+                  <a:txBody>
+                    <a:bodyPr/>
+                    <a:lstStyle/>
+                    <a:p>
+                      <a:pPr algn="ctr"/>
+                      <a:r>
+                        <a:rPr lang="en-US" sz="1000" b="0" dirty="0" smtClean="0">
+                          <a:solidFill>
+                            <a:schemeClr val="tx1"/>
+                          </a:solidFill>
+                        </a:rPr>
+                        <a:t>37%</a:t>
+                      </a:r>
+                      <a:endParaRPr lang="es-UY" sz="1000" b="0" dirty="0">
+                        <a:solidFill>
+                          <a:schemeClr val="tx1"/>
+                        </a:solidFill>
+                      </a:endParaRPr>
+                    </a:p>
+                  </a:txBody>
+                  <a:tcPr anchor="ctr">
+                    <a:lnL w="12700" cap="flat" cmpd="sng" algn="ctr">
+                      <a:solidFill>
+                        <a:schemeClr val="tx1"/>
+                      </a:solidFill>
+                      <a:prstDash val="solid"/>
+                      <a:round/>
+                      <a:headEnd type="none" w="med" len="med"/>
+                      <a:tailEnd type="none" w="med" len="med"/>
+                    </a:lnL>
+                    <a:lnR w="12700" cap="flat" cmpd="sng" algn="ctr">
+                      <a:solidFill>
+                        <a:schemeClr val="tx1"/>
+                      </a:solidFill>
+                      <a:prstDash val="solid"/>
+                      <a:round/>
+                      <a:headEnd type="none" w="med" len="med"/>
+                      <a:tailEnd type="none" w="med" len="med"/>
+                    </a:lnR>
+                    <a:lnT w="12700" cap="flat" cmpd="sng" algn="ctr">
+                      <a:solidFill>
+                        <a:schemeClr val="tx1"/>
+                      </a:solidFill>
+                      <a:prstDash val="solid"/>
+                      <a:round/>
+                      <a:headEnd type="none" w="med" len="med"/>
+                      <a:tailEnd type="none" w="med" len="med"/>
+                    </a:lnT>
+                    <a:lnB w="12700" cap="flat" cmpd="sng" algn="ctr">
+                      <a:solidFill>
+                        <a:schemeClr val="tx1"/>
+                      </a:solidFill>
+                      <a:prstDash val="solid"/>
+                      <a:round/>
+                      <a:headEnd type="none" w="med" len="med"/>
+                      <a:tailEnd type="none" w="med" len="med"/>
+                    </a:lnB>
+                    <a:lnTlToBr w="12700" cmpd="sng">
+                      <a:noFill/>
+                      <a:prstDash val="solid"/>
+                    </a:lnTlToBr>
+                    <a:lnBlToTr w="12700" cmpd="sng">
+                      <a:noFill/>
+                      <a:prstDash val="solid"/>
+                    </a:lnBlToTr>
+                    <a:solidFill>
+                      <a:srgbClr val="00B050">
+                        <a:alpha val="25000"/>
+                      </a:srgbClr>
+                    </a:solidFill>
+                  </a:tcPr>
+                </a:tc>
+                <a:tc>
+                  <a:txBody>
+                    <a:bodyPr/>
+                    <a:lstStyle/>
+                    <a:p>
+                      <a:pPr algn="ctr"/>
+                      <a:r>
+                        <a:rPr lang="en-US" sz="1000" b="0" dirty="0" smtClean="0">
+                          <a:solidFill>
+                            <a:schemeClr val="tx1"/>
+                          </a:solidFill>
+                        </a:rPr>
+                        <a:t>92%</a:t>
+                      </a:r>
+                      <a:endParaRPr lang="es-UY" sz="1000" b="0" dirty="0">
+                        <a:solidFill>
+                          <a:schemeClr val="tx1"/>
+                        </a:solidFill>
+                      </a:endParaRPr>
+                    </a:p>
+                  </a:txBody>
+                  <a:tcPr anchor="ctr">
+                    <a:lnL w="12700" cap="flat" cmpd="sng" algn="ctr">
+                      <a:solidFill>
+                        <a:schemeClr val="tx1"/>
+                      </a:solidFill>
+                      <a:prstDash val="solid"/>
+                      <a:round/>
+                      <a:headEnd type="none" w="med" len="med"/>
+                      <a:tailEnd type="none" w="med" len="med"/>
+                    </a:lnL>
+                    <a:lnR w="12700" cap="flat" cmpd="sng" algn="ctr">
+                      <a:solidFill>
+                        <a:schemeClr val="tx1"/>
+                      </a:solidFill>
+                      <a:prstDash val="solid"/>
+                      <a:round/>
+                      <a:headEnd type="none" w="med" len="med"/>
+                      <a:tailEnd type="none" w="med" len="med"/>
+                    </a:lnR>
+                    <a:lnT w="12700" cap="flat" cmpd="sng" algn="ctr">
+                      <a:solidFill>
+                        <a:schemeClr val="tx1"/>
+                      </a:solidFill>
+                      <a:prstDash val="solid"/>
+                      <a:round/>
+                      <a:headEnd type="none" w="med" len="med"/>
+                      <a:tailEnd type="none" w="med" len="med"/>
+                    </a:lnT>
+                    <a:lnB w="12700" cap="flat" cmpd="sng" algn="ctr">
+                      <a:solidFill>
+                        <a:schemeClr val="tx1"/>
+                      </a:solidFill>
+                      <a:prstDash val="solid"/>
+                      <a:round/>
+                      <a:headEnd type="none" w="med" len="med"/>
+                      <a:tailEnd type="none" w="med" len="med"/>
+                    </a:lnB>
+                    <a:lnTlToBr w="12700" cmpd="sng">
+                      <a:noFill/>
+                      <a:prstDash val="solid"/>
+                    </a:lnTlToBr>
+                    <a:lnBlToTr w="12700" cmpd="sng">
+                      <a:noFill/>
+                      <a:prstDash val="solid"/>
+                    </a:lnBlToTr>
+                    <a:noFill/>
+                  </a:tcPr>
+                </a:tc>
+                <a:extLst>
+                  <a:ext uri="{0D108BD9-81ED-4DB2-BD59-A6C34878D82A}">
+                    <a16:rowId xmlns:a16="http://schemas.microsoft.com/office/drawing/2014/main" val="1139316006"/>
+                  </a:ext>
+                </a:extLst>
+              </a:tr>
+            </a:tbl>
+          </a:graphicData>
+        </a:graphic>
+      </p:graphicFrame>
+      <p:sp>
+        <p:nvSpPr>
+          <p:cNvPr id="7" name="Google Shape;280;p46"/>
+          <p:cNvSpPr txBox="1"/>
+          <p:nvPr/>
+        </p:nvSpPr>
+        <p:spPr>
+          <a:xfrm>
+            <a:off x="176574" y="621689"/>
+            <a:ext cx="8809371" cy="987372"/>
+          </a:xfrm>
+          <a:prstGeom prst="rect">
+            <a:avLst/>
+          </a:prstGeom>
+          <a:noFill/>
+          <a:ln>
+            <a:noFill/>
+          </a:ln>
+        </p:spPr>
+        <p:txBody>
+          <a:bodyPr spcFirstLastPara="1" wrap="square" lIns="91425" tIns="91425" rIns="91425" bIns="91425" anchor="t" anchorCtr="0">
+            <a:noAutofit/>
+          </a:bodyPr>
+          <a:lstStyle/>
+          <a:p>
+            <a:pPr lvl="0">
+              <a:lnSpc>
+                <a:spcPct val="115000"/>
+              </a:lnSpc>
+              <a:spcBef>
+                <a:spcPts val="600"/>
+              </a:spcBef>
+              <a:buClr>
+                <a:schemeClr val="dk1"/>
+              </a:buClr>
+              <a:buSzPts val="1100"/>
+            </a:pPr>
+            <a:r>
+              <a:rPr lang="es-UY" sz="1100" dirty="0" smtClean="0"/>
+              <a:t>Luego de seleccionar el algoritmo que mejor se </a:t>
+            </a:r>
+            <a:r>
+              <a:rPr lang="es-UY" sz="1100" dirty="0" err="1" smtClean="0"/>
+              <a:t>desmpeñó</a:t>
+            </a:r>
+            <a:r>
+              <a:rPr lang="es-UY" sz="1100" dirty="0" smtClean="0"/>
+              <a:t>, se procedió a optimizarlo.</a:t>
+            </a:r>
+            <a:endParaRPr sz="1100" dirty="0"/>
+          </a:p>
+        </p:txBody>
+      </p:sp>
+      <p:sp>
+        <p:nvSpPr>
+          <p:cNvPr id="10" name="Google Shape;280;p46"/>
+          <p:cNvSpPr txBox="1"/>
+          <p:nvPr/>
+        </p:nvSpPr>
+        <p:spPr>
+          <a:xfrm>
+            <a:off x="176573" y="4703186"/>
+            <a:ext cx="8809371" cy="493686"/>
+          </a:xfrm>
+          <a:prstGeom prst="rect">
+            <a:avLst/>
+          </a:prstGeom>
+          <a:noFill/>
+          <a:ln>
+            <a:noFill/>
+          </a:ln>
+        </p:spPr>
+        <p:txBody>
+          <a:bodyPr spcFirstLastPara="1" wrap="square" lIns="91425" tIns="91425" rIns="91425" bIns="91425" anchor="t" anchorCtr="0">
+            <a:noAutofit/>
+          </a:bodyPr>
+          <a:lstStyle/>
+          <a:p>
+            <a:pPr lvl="0">
+              <a:lnSpc>
+                <a:spcPct val="115000"/>
+              </a:lnSpc>
+              <a:spcBef>
+                <a:spcPts val="600"/>
+              </a:spcBef>
+              <a:buClr>
+                <a:schemeClr val="dk1"/>
+              </a:buClr>
+              <a:buSzPts val="1100"/>
+            </a:pPr>
+            <a:r>
+              <a:rPr lang="en-US" sz="700" i="1" dirty="0" smtClean="0"/>
+              <a:t>Nota: clase 0 corresponde a las empresas que no declararon bancarrota, mientras que la clase 1 corresponde a las empresas que declararon bancarrota.</a:t>
+            </a:r>
+            <a:endParaRPr sz="700" i="1" dirty="0"/>
+          </a:p>
+        </p:txBody>
+      </p:sp>
+    </p:spTree>
+    <p:extLst>
+      <p:ext uri="{BB962C8B-B14F-4D97-AF65-F5344CB8AC3E}">
+        <p14:creationId xmlns:p14="http://schemas.microsoft.com/office/powerpoint/2010/main" val="587654193"/>
+      </p:ext>
+    </p:extLst>
+  </p:cSld>
+  <p:clrMapOvr>
+    <a:masterClrMapping/>
+  </p:clrMapOvr>
+  <p:timing>
+    <p:tnLst>
+      <p:par>
+        <p:cTn id="1" dur="indefinite" restart="never" nodeType="tmRoot"/>
+      </p:par>
+    </p:tnLst>
+  </p:timing>
+</p:sld>
+</file>
+
 <file path=ppt/slides/slide2.xml><?xml version="1.0" encoding="utf-8"?>
 <p:sld xmlns:a="http://schemas.openxmlformats.org/drawingml/2006/main" xmlns:r="http://schemas.openxmlformats.org/officeDocument/2006/relationships" xmlns:p="http://schemas.openxmlformats.org/presentationml/2006/main">
   <p:cSld>
@@ -23666,7 +26918,7 @@
           <p:nvPr>
             <p:extLst>
               <p:ext uri="{D42A27DB-BD31-4B8C-83A1-F6EECF244321}">
-                <p14:modId xmlns:p14="http://schemas.microsoft.com/office/powerpoint/2010/main" val="2558465649"/>
+                <p14:modId xmlns:p14="http://schemas.microsoft.com/office/powerpoint/2010/main" val="626387065"/>
               </p:ext>
             </p:extLst>
           </p:nvPr>
@@ -24910,7 +28162,7 @@
                             <a:schemeClr val="tx1"/>
                           </a:solidFill>
                         </a:rPr>
-                        <a:t>87%</a:t>
+                        <a:t>88%</a:t>
                       </a:r>
                       <a:endParaRPr lang="es-UY" sz="1000" b="0" dirty="0">
                         <a:solidFill>
@@ -25462,7 +28714,7 @@
                             <a:schemeClr val="tx1"/>
                           </a:solidFill>
                         </a:rPr>
-                        <a:t>94%</a:t>
+                        <a:t>93%</a:t>
                       </a:r>
                       <a:endParaRPr lang="es-UY" sz="1000" b="0" dirty="0">
                         <a:solidFill>
@@ -25676,7 +28928,7 @@
                             <a:schemeClr val="tx1"/>
                           </a:solidFill>
                         </a:rPr>
-                        <a:t>87%</a:t>
+                        <a:t>86%</a:t>
                       </a:r>
                       <a:endParaRPr lang="es-UY" sz="1000" b="0" dirty="0">
                         <a:solidFill>
@@ -25814,76 +29066,7 @@
                             <a:schemeClr val="tx1"/>
                           </a:solidFill>
                         </a:rPr>
-                        <a:t>18%</a:t>
-                      </a:r>
-                      <a:endParaRPr lang="es-UY" sz="1000" b="0" dirty="0">
-                        <a:solidFill>
-                          <a:schemeClr val="tx1"/>
-                        </a:solidFill>
-                      </a:endParaRPr>
-                    </a:p>
-                  </a:txBody>
-                  <a:tcPr anchor="ctr">
-                    <a:lnL w="12700" cap="flat" cmpd="sng" algn="ctr">
-                      <a:solidFill>
-                        <a:schemeClr val="tx1"/>
-                      </a:solidFill>
-                      <a:prstDash val="solid"/>
-                      <a:round/>
-                      <a:headEnd type="none" w="med" len="med"/>
-                      <a:tailEnd type="none" w="med" len="med"/>
-                    </a:lnL>
-                    <a:lnR w="12700" cap="flat" cmpd="sng" algn="ctr">
-                      <a:solidFill>
-                        <a:schemeClr val="tx1"/>
-                      </a:solidFill>
-                      <a:prstDash val="solid"/>
-                      <a:round/>
-                      <a:headEnd type="none" w="med" len="med"/>
-                      <a:tailEnd type="none" w="med" len="med"/>
-                    </a:lnR>
-                    <a:lnT w="12700" cap="flat" cmpd="sng" algn="ctr">
-                      <a:solidFill>
-                        <a:schemeClr val="tx1"/>
-                      </a:solidFill>
-                      <a:prstDash val="solid"/>
-                      <a:round/>
-                      <a:headEnd type="none" w="med" len="med"/>
-                      <a:tailEnd type="none" w="med" len="med"/>
-                    </a:lnT>
-                    <a:lnB w="12700" cap="flat" cmpd="sng" algn="ctr">
-                      <a:solidFill>
-                        <a:schemeClr val="tx1"/>
-                      </a:solidFill>
-                      <a:prstDash val="solid"/>
-                      <a:round/>
-                      <a:headEnd type="none" w="med" len="med"/>
-                      <a:tailEnd type="none" w="med" len="med"/>
-                    </a:lnB>
-                    <a:lnTlToBr w="12700" cmpd="sng">
-                      <a:noFill/>
-                      <a:prstDash val="solid"/>
-                    </a:lnTlToBr>
-                    <a:lnBlToTr w="12700" cmpd="sng">
-                      <a:noFill/>
-                      <a:prstDash val="solid"/>
-                    </a:lnBlToTr>
-                    <a:noFill/>
-                  </a:tcPr>
-                </a:tc>
-                <a:tc>
-                  <a:txBody>
-                    <a:bodyPr/>
-                    <a:lstStyle/>
-                    <a:p>
-                      <a:pPr algn="ctr"/>
-                      <a:r>
-                        <a:rPr lang="en-US" sz="1000" b="0" dirty="0" smtClean="0">
-                          <a:solidFill>
-                            <a:schemeClr val="tx1"/>
-                          </a:solidFill>
-                        </a:rPr>
-                        <a:t>87%</a:t>
+                        <a:t>17%</a:t>
                       </a:r>
                       <a:endParaRPr lang="es-UY" sz="1000" b="0" dirty="0">
                         <a:solidFill>
@@ -26021,7 +29204,76 @@
                             <a:schemeClr val="tx1"/>
                           </a:solidFill>
                         </a:rPr>
-                        <a:t>93%</a:t>
+                        <a:t>86%</a:t>
+                      </a:r>
+                      <a:endParaRPr lang="es-UY" sz="1000" b="0" dirty="0">
+                        <a:solidFill>
+                          <a:schemeClr val="tx1"/>
+                        </a:solidFill>
+                      </a:endParaRPr>
+                    </a:p>
+                  </a:txBody>
+                  <a:tcPr anchor="ctr">
+                    <a:lnL w="12700" cap="flat" cmpd="sng" algn="ctr">
+                      <a:solidFill>
+                        <a:schemeClr val="tx1"/>
+                      </a:solidFill>
+                      <a:prstDash val="solid"/>
+                      <a:round/>
+                      <a:headEnd type="none" w="med" len="med"/>
+                      <a:tailEnd type="none" w="med" len="med"/>
+                    </a:lnL>
+                    <a:lnR w="12700" cap="flat" cmpd="sng" algn="ctr">
+                      <a:solidFill>
+                        <a:schemeClr val="tx1"/>
+                      </a:solidFill>
+                      <a:prstDash val="solid"/>
+                      <a:round/>
+                      <a:headEnd type="none" w="med" len="med"/>
+                      <a:tailEnd type="none" w="med" len="med"/>
+                    </a:lnR>
+                    <a:lnT w="12700" cap="flat" cmpd="sng" algn="ctr">
+                      <a:solidFill>
+                        <a:schemeClr val="tx1"/>
+                      </a:solidFill>
+                      <a:prstDash val="solid"/>
+                      <a:round/>
+                      <a:headEnd type="none" w="med" len="med"/>
+                      <a:tailEnd type="none" w="med" len="med"/>
+                    </a:lnT>
+                    <a:lnB w="12700" cap="flat" cmpd="sng" algn="ctr">
+                      <a:solidFill>
+                        <a:schemeClr val="tx1"/>
+                      </a:solidFill>
+                      <a:prstDash val="solid"/>
+                      <a:round/>
+                      <a:headEnd type="none" w="med" len="med"/>
+                      <a:tailEnd type="none" w="med" len="med"/>
+                    </a:lnB>
+                    <a:lnTlToBr w="12700" cmpd="sng">
+                      <a:noFill/>
+                      <a:prstDash val="solid"/>
+                    </a:lnTlToBr>
+                    <a:lnBlToTr w="12700" cmpd="sng">
+                      <a:noFill/>
+                      <a:prstDash val="solid"/>
+                    </a:lnBlToTr>
+                    <a:noFill/>
+                  </a:tcPr>
+                </a:tc>
+                <a:tc>
+                  <a:txBody>
+                    <a:bodyPr/>
+                    <a:lstStyle/>
+                    <a:p>
+                      <a:pPr algn="ctr"/>
+                      <a:r>
+                        <a:rPr lang="en-US" sz="1000" b="0" dirty="0" smtClean="0">
+                          <a:solidFill>
+                            <a:schemeClr val="tx1"/>
+                          </a:solidFill>
+                        </a:rPr>
+                        <a:t>92%</a:t>
                       </a:r>
                       <a:endParaRPr lang="es-UY" sz="1000" b="0" dirty="0">
                         <a:solidFill>
@@ -26159,7 +29411,7 @@
                             <a:schemeClr val="tx1"/>
                           </a:solidFill>
                         </a:rPr>
-                        <a:t>94%</a:t>
+                        <a:t>93%</a:t>
                       </a:r>
                       <a:endParaRPr lang="es-UY" sz="1000" b="0" dirty="0">
                         <a:solidFill>
@@ -26373,7 +29625,7 @@
                             <a:schemeClr val="tx1"/>
                           </a:solidFill>
                         </a:rPr>
-                        <a:t>92%</a:t>
+                        <a:t>93%</a:t>
                       </a:r>
                       <a:endParaRPr lang="es-UY" sz="1000" b="0" dirty="0">
                         <a:solidFill>
@@ -26511,7 +29763,7 @@
                             <a:schemeClr val="tx1"/>
                           </a:solidFill>
                         </a:rPr>
-                        <a:t>18%</a:t>
+                        <a:t>17%</a:t>
                       </a:r>
                       <a:endParaRPr lang="es-UY" sz="1000" b="0" dirty="0">
                         <a:solidFill>
@@ -26580,7 +29832,7 @@
                             <a:schemeClr val="tx1"/>
                           </a:solidFill>
                         </a:rPr>
-                        <a:t>93%</a:t>
+                        <a:t>95%</a:t>
                       </a:r>
                       <a:endParaRPr lang="es-UY" sz="1000" b="0" dirty="0">
                         <a:solidFill>
@@ -26649,7 +29901,7 @@
                             <a:schemeClr val="tx1"/>
                           </a:solidFill>
                         </a:rPr>
-                        <a:t>43%</a:t>
+                        <a:t>34%</a:t>
                       </a:r>
                       <a:endParaRPr lang="es-UY" sz="1000" b="0" dirty="0">
                         <a:solidFill>
@@ -26787,7 +30039,7 @@
                             <a:schemeClr val="tx1"/>
                           </a:solidFill>
                         </a:rPr>
-                        <a:t>25%</a:t>
+                        <a:t>23%</a:t>
                       </a:r>
                       <a:endParaRPr lang="es-UY" sz="1000" b="0" dirty="0">
                         <a:solidFill>
@@ -26856,7 +30108,7 @@
                             <a:schemeClr val="tx1"/>
                           </a:solidFill>
                         </a:rPr>
-                        <a:t>68%</a:t>
+                        <a:t>64%</a:t>
                       </a:r>
                       <a:endParaRPr lang="es-UY" sz="1000" b="0" dirty="0">
                         <a:solidFill>
@@ -27151,7 +30403,7 @@
                             <a:schemeClr val="tx1"/>
                           </a:solidFill>
                         </a:rPr>
-                        <a:t>99%</a:t>
+                        <a:t>98%</a:t>
                       </a:r>
                       <a:endParaRPr lang="es-UY" sz="1000" b="0" dirty="0">
                         <a:solidFill>
@@ -27224,7 +30476,7 @@
                             <a:schemeClr val="tx1"/>
                           </a:solidFill>
                         </a:rPr>
-                        <a:t>36%</a:t>
+                        <a:t>29%</a:t>
                       </a:r>
                       <a:endParaRPr lang="es-UY" sz="1000" b="0" dirty="0">
                         <a:solidFill>
@@ -27297,7 +30549,7 @@
                             <a:schemeClr val="tx1"/>
                           </a:solidFill>
                         </a:rPr>
-                        <a:t>96%</a:t>
+                        <a:t>97%</a:t>
                       </a:r>
                       <a:endParaRPr lang="es-UY" sz="1000" b="0" dirty="0">
                         <a:solidFill>
@@ -27370,7 +30622,7 @@
                             <a:schemeClr val="tx1"/>
                           </a:solidFill>
                         </a:rPr>
-                        <a:t>61%</a:t>
+                        <a:t>41%</a:t>
                       </a:r>
                       <a:endParaRPr lang="es-UY" sz="1000" b="0" dirty="0">
                         <a:solidFill>
@@ -27443,7 +30695,7 @@
                             <a:schemeClr val="tx1"/>
                           </a:solidFill>
                         </a:rPr>
-                        <a:t>98%</a:t>
+                        <a:t>97%</a:t>
                       </a:r>
                       <a:endParaRPr lang="es-UY" sz="1000" b="0" dirty="0">
                         <a:solidFill>
@@ -27516,7 +30768,7 @@
                             <a:schemeClr val="tx1"/>
                           </a:solidFill>
                         </a:rPr>
-                        <a:t>46%</a:t>
+                        <a:t>34%</a:t>
                       </a:r>
                       <a:endParaRPr lang="es-UY" sz="1000" b="0" dirty="0">
                         <a:solidFill>
@@ -27589,7 +30841,7 @@
                             <a:schemeClr val="tx1"/>
                           </a:solidFill>
                         </a:rPr>
-                        <a:t>91%</a:t>
+                        <a:t>92%</a:t>
                       </a:r>
                       <a:endParaRPr lang="es-UY" sz="1000" b="0" dirty="0">
                         <a:solidFill>
@@ -27744,7 +30996,7 @@
             </a:pPr>
             <a:r>
               <a:rPr lang="es-UY" sz="1100" dirty="0" smtClean="0"/>
-              <a:t>Como se mencionó previamente, se dispone de un conjunto de datos extremadamente desbalanceado. Por lo tanto, entendiendo a la medida F1-score como la más conveniente en estos casos, se puede apreciar el algoritmo de bosque aleatorio es el modelo que mejor clasifica a la clase 1.</a:t>
+              <a:t>Como se mencionó previamente, se dispone de un conjunto de datos extremadamente desbalanceado. Por lo tanto, entendiendo a la medida F1-score como la más conveniente en estos casos, se puede apreciar que el algoritmo de bosque aleatorio es el modelo que mejor clasifica a la clase 1.</a:t>
             </a:r>
             <a:endParaRPr sz="1100" dirty="0"/>
           </a:p>

--- a/Proyecto Bancarrota - Coderhouse - Presentación Ejecutiva.pptx
+++ b/Proyecto Bancarrota - Coderhouse - Presentación Ejecutiva.pptx
@@ -24,32 +24,32 @@
   <p:notesSz cx="6858000" cy="9144000"/>
   <p:embeddedFontLst>
     <p:embeddedFont>
-      <p:font typeface="Helvetica Neue Light" panose="020B0604020202020204" charset="0"/>
+      <p:font typeface="Calibri" panose="020F0502020204030204" pitchFamily="34" charset="0"/>
       <p:regular r:id="rId14"/>
       <p:bold r:id="rId15"/>
       <p:italic r:id="rId16"/>
       <p:boldItalic r:id="rId17"/>
     </p:embeddedFont>
     <p:embeddedFont>
-      <p:font typeface="Helvetica Neue" panose="020B0604020202020204" charset="0"/>
+      <p:font typeface="Anton" panose="020B0604020202020204" charset="0"/>
       <p:regular r:id="rId18"/>
-      <p:bold r:id="rId19"/>
-      <p:italic r:id="rId20"/>
-      <p:boldItalic r:id="rId21"/>
     </p:embeddedFont>
     <p:embeddedFont>
-      <p:font typeface="Anton" panose="020B0604020202020204" charset="0"/>
-      <p:regular r:id="rId22"/>
+      <p:font typeface="Helvetica Neue" panose="020B0604020202020204" charset="0"/>
+      <p:regular r:id="rId19"/>
+      <p:bold r:id="rId20"/>
+      <p:italic r:id="rId21"/>
+      <p:boldItalic r:id="rId22"/>
     </p:embeddedFont>
     <p:embeddedFont>
-      <p:font typeface="Lato" panose="020B0604020202020204" charset="0"/>
+      <p:font typeface="Helvetica Neue Light" panose="020B0604020202020204" charset="0"/>
       <p:regular r:id="rId23"/>
       <p:bold r:id="rId24"/>
       <p:italic r:id="rId25"/>
       <p:boldItalic r:id="rId26"/>
     </p:embeddedFont>
     <p:embeddedFont>
-      <p:font typeface="Calibri" panose="020F0502020204030204" pitchFamily="34" charset="0"/>
+      <p:font typeface="Lato" panose="020B0604020202020204" charset="0"/>
       <p:regular r:id="rId27"/>
       <p:bold r:id="rId28"/>
       <p:italic r:id="rId29"/>
@@ -19824,16 +19824,7 @@
                 <a:cs typeface="Anton"/>
                 <a:sym typeface="Anton"/>
               </a:rPr>
-              <a:t>PRESENTACIÓN EJECUTIVA – </a:t>
-            </a:r>
-            <a:r>
-              <a:rPr lang="es-UY" sz="2000" i="1" dirty="0" smtClean="0">
-                <a:latin typeface="Anton"/>
-                <a:ea typeface="Anton"/>
-                <a:cs typeface="Anton"/>
-                <a:sym typeface="Anton"/>
-              </a:rPr>
-              <a:t>OPTIMIZACIÓN BOSQUE ALEATORIO</a:t>
+              <a:t>PRESENTACIÓN EJECUTIVA – OPTIMIZACIÓN BOSQUE ALEATORIO</a:t>
             </a:r>
             <a:endParaRPr lang="es-UY" sz="2000" i="1" dirty="0">
               <a:latin typeface="Anton"/>
@@ -19853,7 +19844,7 @@
           <p:nvPr>
             <p:extLst>
               <p:ext uri="{D42A27DB-BD31-4B8C-83A1-F6EECF244321}">
-                <p14:modId xmlns:p14="http://schemas.microsoft.com/office/powerpoint/2010/main" val="4143110290"/>
+                <p14:modId xmlns:p14="http://schemas.microsoft.com/office/powerpoint/2010/main" val="2639786417"/>
               </p:ext>
             </p:extLst>
           </p:nvPr>
@@ -22101,7 +22092,7 @@
                             <a:schemeClr val="tx1"/>
                           </a:solidFill>
                         </a:rPr>
-                        <a:t>31%</a:t>
+                        <a:t>32%</a:t>
                       </a:r>
                       <a:endParaRPr lang="es-UY" sz="1000" b="0" dirty="0">
                         <a:solidFill>
@@ -22377,7 +22368,7 @@
                             <a:schemeClr val="tx1"/>
                           </a:solidFill>
                         </a:rPr>
-                        <a:t>37%</a:t>
+                        <a:t>38%</a:t>
                       </a:r>
                       <a:endParaRPr lang="es-UY" sz="1000" b="0" dirty="0">
                         <a:solidFill>

--- a/Proyecto Bancarrota - Coderhouse - Presentación Ejecutiva.pptx
+++ b/Proyecto Bancarrota - Coderhouse - Presentación Ejecutiva.pptx
@@ -24,32 +24,32 @@
   <p:notesSz cx="6858000" cy="9144000"/>
   <p:embeddedFontLst>
     <p:embeddedFont>
-      <p:font typeface="Calibri" panose="020F0502020204030204" pitchFamily="34" charset="0"/>
+      <p:font typeface="Helvetica Neue" panose="020B0604020202020204" charset="0"/>
       <p:regular r:id="rId14"/>
       <p:bold r:id="rId15"/>
       <p:italic r:id="rId16"/>
       <p:boldItalic r:id="rId17"/>
     </p:embeddedFont>
     <p:embeddedFont>
-      <p:font typeface="Anton" panose="020B0604020202020204" charset="0"/>
+      <p:font typeface="Lato" panose="020B0604020202020204" charset="0"/>
       <p:regular r:id="rId18"/>
-    </p:embeddedFont>
-    <p:embeddedFont>
-      <p:font typeface="Helvetica Neue" panose="020B0604020202020204" charset="0"/>
-      <p:regular r:id="rId19"/>
-      <p:bold r:id="rId20"/>
-      <p:italic r:id="rId21"/>
-      <p:boldItalic r:id="rId22"/>
+      <p:bold r:id="rId19"/>
+      <p:italic r:id="rId20"/>
+      <p:boldItalic r:id="rId21"/>
     </p:embeddedFont>
     <p:embeddedFont>
       <p:font typeface="Helvetica Neue Light" panose="020B0604020202020204" charset="0"/>
-      <p:regular r:id="rId23"/>
-      <p:bold r:id="rId24"/>
-      <p:italic r:id="rId25"/>
-      <p:boldItalic r:id="rId26"/>
+      <p:regular r:id="rId22"/>
+      <p:bold r:id="rId23"/>
+      <p:italic r:id="rId24"/>
+      <p:boldItalic r:id="rId25"/>
     </p:embeddedFont>
     <p:embeddedFont>
-      <p:font typeface="Lato" panose="020B0604020202020204" charset="0"/>
+      <p:font typeface="Anton" panose="020B0604020202020204" charset="0"/>
+      <p:regular r:id="rId26"/>
+    </p:embeddedFont>
+    <p:embeddedFont>
+      <p:font typeface="Calibri" panose="020F0502020204030204" pitchFamily="34" charset="0"/>
       <p:regular r:id="rId27"/>
       <p:bold r:id="rId28"/>
       <p:italic r:id="rId29"/>
@@ -22796,7 +22796,43 @@
             </a:pPr>
             <a:r>
               <a:rPr lang="es-UY" dirty="0" smtClean="0"/>
-              <a:t>Se busca determinar la probabilidad de cierre de empresas Taiwanesas por declarar bancarrota (período 1999 - 2009), permitiendo identificar la solidez y rentabilidad de estas empresas en el país. Por lo tanto, se propone como objetivo predecir la probabilidad de que una empresa haya declarado o declare bancarrota.</a:t>
+              <a:t>Se busca </a:t>
+            </a:r>
+            <a:r>
+              <a:rPr lang="es-UY" dirty="0" smtClean="0"/>
+              <a:t>clasificar a </a:t>
+            </a:r>
+            <a:r>
+              <a:rPr lang="es-UY" dirty="0" smtClean="0"/>
+              <a:t>las empresas que cotizaron en la bolsa de Taiwán (</a:t>
+            </a:r>
+            <a:r>
+              <a:rPr lang="es-UY" dirty="0" smtClean="0"/>
+              <a:t>período </a:t>
+            </a:r>
+            <a:r>
+              <a:rPr lang="es-UY" dirty="0" smtClean="0"/>
+              <a:t>1999 </a:t>
+            </a:r>
+            <a:r>
+              <a:rPr lang="es-UY" dirty="0" smtClean="0"/>
+              <a:t>- 2009) en dos </a:t>
+            </a:r>
+            <a:r>
+              <a:rPr lang="es-UY" dirty="0" smtClean="0"/>
+              <a:t>grandes grupos: empresas que declararon bancarrota y empresas que no declararon bancarrota. </a:t>
+            </a:r>
+            <a:r>
+              <a:rPr lang="es-UY" dirty="0" smtClean="0"/>
+              <a:t>Por </a:t>
+            </a:r>
+            <a:r>
+              <a:rPr lang="es-UY" dirty="0" smtClean="0"/>
+              <a:t>lo tanto, se propone como objetivo </a:t>
+            </a:r>
+            <a:r>
+              <a:rPr lang="es-UY" dirty="0" smtClean="0"/>
+              <a:t>distinguir a las empresas que declararon bancarrota de aquellas que no declararon bancarrota.</a:t>
             </a:r>
           </a:p>
           <a:p>
@@ -22843,12 +22879,28 @@
               <a:t>Se presenta por medio de la evaluación de variables financieras (relacionadas a activos, pasivos, patrimonio, etc.) las características de las empresas que cotizan en la bolsa de </a:t>
             </a:r>
             <a:r>
-              <a:rPr lang="es-UY" dirty="0" err="1"/>
-              <a:t>Taiwan</a:t>
+              <a:rPr lang="es-UY" dirty="0" smtClean="0"/>
+              <a:t>Taiwán </a:t>
             </a:r>
             <a:r>
               <a:rPr lang="es-UY" dirty="0"/>
-              <a:t> y la posibilidad de declarar bancarrota en base a dichas </a:t>
+              <a:t>y </a:t>
+            </a:r>
+            <a:r>
+              <a:rPr lang="es-UY" dirty="0" smtClean="0"/>
+              <a:t>se establecen si las mismas declarar </a:t>
+            </a:r>
+            <a:r>
+              <a:rPr lang="es-UY" dirty="0"/>
+              <a:t>bancarrota </a:t>
+            </a:r>
+            <a:r>
+              <a:rPr lang="es-UY" dirty="0" smtClean="0"/>
+              <a:t>o no en </a:t>
+            </a:r>
+            <a:r>
+              <a:rPr lang="es-UY" dirty="0"/>
+              <a:t>base a dichas </a:t>
             </a:r>
             <a:r>
               <a:rPr lang="es-UY" dirty="0" smtClean="0"/>
@@ -23082,6 +23134,51 @@
           </a:prstGeom>
         </p:spPr>
       </p:pic>
+      <p:sp>
+        <p:nvSpPr>
+          <p:cNvPr id="6" name="Google Shape;280;p46"/>
+          <p:cNvSpPr txBox="1"/>
+          <p:nvPr/>
+        </p:nvSpPr>
+        <p:spPr>
+          <a:xfrm>
+            <a:off x="176573" y="4703186"/>
+            <a:ext cx="8809371" cy="493686"/>
+          </a:xfrm>
+          <a:prstGeom prst="rect">
+            <a:avLst/>
+          </a:prstGeom>
+          <a:noFill/>
+          <a:ln>
+            <a:noFill/>
+          </a:ln>
+        </p:spPr>
+        <p:txBody>
+          <a:bodyPr spcFirstLastPara="1" wrap="square" lIns="91425" tIns="91425" rIns="91425" bIns="91425" anchor="t" anchorCtr="0">
+            <a:noAutofit/>
+          </a:bodyPr>
+          <a:lstStyle/>
+          <a:p>
+            <a:pPr lvl="0">
+              <a:lnSpc>
+                <a:spcPct val="115000"/>
+              </a:lnSpc>
+              <a:spcBef>
+                <a:spcPts val="600"/>
+              </a:spcBef>
+              <a:buClr>
+                <a:schemeClr val="dk1"/>
+              </a:buClr>
+              <a:buSzPts val="1100"/>
+            </a:pPr>
+            <a:r>
+              <a:rPr lang="en-US" sz="700" i="1" dirty="0" smtClean="0"/>
+              <a:t>Nota: clase 0 corresponde a las empresas que no declararon bancarrota, mientras que la clase 1 corresponde a las empresas que declararon bancarrota.</a:t>
+            </a:r>
+            <a:endParaRPr sz="700" i="1" dirty="0"/>
+          </a:p>
+        </p:txBody>
+      </p:sp>
     </p:spTree>
     <p:extLst>
       <p:ext uri="{BB962C8B-B14F-4D97-AF65-F5344CB8AC3E}">
@@ -23689,9 +23786,14 @@
               <a:buChar char="•"/>
             </a:pPr>
             <a:r>
-              <a:rPr lang="en-US" sz="1100" dirty="0" smtClean="0"/>
-              <a:t>Efectivo</a:t>
+              <a:rPr lang="en-US" sz="1100" dirty="0" err="1"/>
+              <a:t>e</a:t>
             </a:r>
+            <a:r>
+              <a:rPr lang="en-US" sz="1100" dirty="0" err="1" smtClean="0"/>
+              <a:t>fectivo</a:t>
+            </a:r>
+            <a:endParaRPr lang="en-US" sz="1100" dirty="0" smtClean="0"/>
           </a:p>
           <a:p>
             <a:pPr marL="285750" lvl="0" indent="-285750">
@@ -24155,6 +24257,155 @@
               <a:cs typeface="Anton"/>
               <a:sym typeface="Anton"/>
             </a:endParaRPr>
+          </a:p>
+        </p:txBody>
+      </p:sp>
+      <p:sp>
+        <p:nvSpPr>
+          <p:cNvPr id="2" name="TextBox 1"/>
+          <p:cNvSpPr txBox="1"/>
+          <p:nvPr/>
+        </p:nvSpPr>
+        <p:spPr>
+          <a:xfrm>
+            <a:off x="3952975" y="654699"/>
+            <a:ext cx="1389321" cy="430887"/>
+          </a:xfrm>
+          <a:prstGeom prst="rect">
+            <a:avLst/>
+          </a:prstGeom>
+          <a:noFill/>
+        </p:spPr>
+        <p:txBody>
+          <a:bodyPr wrap="square" rtlCol="0">
+            <a:spAutoFit/>
+          </a:bodyPr>
+          <a:lstStyle/>
+          <a:p>
+            <a:pPr algn="ctr"/>
+            <a:r>
+              <a:rPr lang="en-US" sz="1050" b="1" dirty="0" err="1" smtClean="0"/>
+              <a:t>Ingreso</a:t>
+            </a:r>
+            <a:r>
+              <a:rPr lang="en-US" sz="1050" b="1" dirty="0" smtClean="0"/>
+              <a:t> </a:t>
+            </a:r>
+            <a:r>
+              <a:rPr lang="en-US" sz="1050" b="1" dirty="0" err="1" smtClean="0"/>
+              <a:t>neto</a:t>
+            </a:r>
+            <a:r>
+              <a:rPr lang="en-US" sz="1050" b="1" dirty="0" smtClean="0"/>
+              <a:t>/</a:t>
+            </a:r>
+            <a:r>
+              <a:rPr lang="en-US" sz="1050" b="1" dirty="0" err="1" smtClean="0"/>
+              <a:t>activos</a:t>
+            </a:r>
+            <a:endParaRPr lang="es-UY" sz="1050" b="1" dirty="0"/>
+          </a:p>
+        </p:txBody>
+      </p:sp>
+      <p:sp>
+        <p:nvSpPr>
+          <p:cNvPr id="7" name="TextBox 6"/>
+          <p:cNvSpPr txBox="1"/>
+          <p:nvPr/>
+        </p:nvSpPr>
+        <p:spPr>
+          <a:xfrm>
+            <a:off x="5619651" y="654699"/>
+            <a:ext cx="1389321" cy="415498"/>
+          </a:xfrm>
+          <a:prstGeom prst="rect">
+            <a:avLst/>
+          </a:prstGeom>
+          <a:noFill/>
+        </p:spPr>
+        <p:txBody>
+          <a:bodyPr wrap="square" rtlCol="0">
+            <a:spAutoFit/>
+          </a:bodyPr>
+          <a:lstStyle/>
+          <a:p>
+            <a:pPr algn="ctr"/>
+            <a:r>
+              <a:rPr lang="en-US" sz="1050" b="1" dirty="0" err="1" smtClean="0"/>
+              <a:t>Patrimonio</a:t>
+            </a:r>
+            <a:r>
+              <a:rPr lang="en-US" sz="1050" b="1" dirty="0" smtClean="0"/>
+              <a:t> </a:t>
+            </a:r>
+            <a:r>
+              <a:rPr lang="en-US" sz="1050" b="1" dirty="0" err="1" smtClean="0"/>
+              <a:t>neto</a:t>
+            </a:r>
+            <a:r>
+              <a:rPr lang="en-US" sz="1050" b="1" dirty="0" smtClean="0"/>
+              <a:t>/</a:t>
+            </a:r>
+            <a:r>
+              <a:rPr lang="en-US" sz="1050" b="1" dirty="0" err="1" smtClean="0"/>
+              <a:t>activos</a:t>
+            </a:r>
+            <a:endParaRPr lang="es-UY" sz="1050" b="1" dirty="0"/>
+          </a:p>
+        </p:txBody>
+      </p:sp>
+      <p:sp>
+        <p:nvSpPr>
+          <p:cNvPr id="9" name="TextBox 8"/>
+          <p:cNvSpPr txBox="1"/>
+          <p:nvPr/>
+        </p:nvSpPr>
+        <p:spPr>
+          <a:xfrm>
+            <a:off x="7254130" y="662394"/>
+            <a:ext cx="1500321" cy="415498"/>
+          </a:xfrm>
+          <a:prstGeom prst="rect">
+            <a:avLst/>
+          </a:prstGeom>
+          <a:noFill/>
+        </p:spPr>
+        <p:txBody>
+          <a:bodyPr wrap="square" rtlCol="0">
+            <a:spAutoFit/>
+          </a:bodyPr>
+          <a:lstStyle/>
+          <a:p>
+            <a:pPr algn="ctr"/>
+            <a:r>
+              <a:rPr lang="en-US" sz="1050" b="1" dirty="0" err="1" smtClean="0"/>
+              <a:t>Persistencia</a:t>
+            </a:r>
+            <a:r>
+              <a:rPr lang="en-US" sz="1050" b="1" dirty="0" smtClean="0"/>
+              <a:t> </a:t>
+            </a:r>
+            <a:r>
+              <a:rPr lang="en-US" sz="1050" b="1" dirty="0" err="1" smtClean="0"/>
+              <a:t>ganancia</a:t>
+            </a:r>
+            <a:r>
+              <a:rPr lang="en-US" sz="1050" b="1" dirty="0" smtClean="0"/>
+              <a:t> </a:t>
+            </a:r>
+            <a:r>
+              <a:rPr lang="en-US" sz="1050" b="1" dirty="0" err="1" smtClean="0"/>
+              <a:t>por</a:t>
+            </a:r>
+            <a:r>
+              <a:rPr lang="en-US" sz="1050" b="1" dirty="0" smtClean="0"/>
+              <a:t> </a:t>
+            </a:r>
+            <a:r>
+              <a:rPr lang="en-US" sz="1050" b="1" dirty="0" err="1" smtClean="0"/>
+              <a:t>accion</a:t>
+            </a:r>
+            <a:endParaRPr lang="es-UY" sz="1050" b="1" dirty="0"/>
           </a:p>
         </p:txBody>
       </p:sp>
@@ -24490,9 +24741,10 @@
               <a:buChar char="•"/>
             </a:pPr>
             <a:r>
-              <a:rPr lang="en-US" sz="1100" dirty="0" smtClean="0"/>
-              <a:t>Efectivo</a:t>
+              <a:rPr lang="en-US" sz="1100" dirty="0" err="1" smtClean="0"/>
+              <a:t>efectivo</a:t>
             </a:r>
+            <a:endParaRPr lang="en-US" sz="1100" dirty="0" smtClean="0"/>
           </a:p>
           <a:p>
             <a:pPr marL="285750" lvl="0" indent="-285750">
@@ -24941,6 +25193,143 @@
           </a:prstGeom>
         </p:spPr>
       </p:pic>
+      <p:sp>
+        <p:nvSpPr>
+          <p:cNvPr id="6" name="TextBox 5"/>
+          <p:cNvSpPr txBox="1"/>
+          <p:nvPr/>
+        </p:nvSpPr>
+        <p:spPr>
+          <a:xfrm>
+            <a:off x="3952975" y="654699"/>
+            <a:ext cx="1389321" cy="415498"/>
+          </a:xfrm>
+          <a:prstGeom prst="rect">
+            <a:avLst/>
+          </a:prstGeom>
+          <a:noFill/>
+        </p:spPr>
+        <p:txBody>
+          <a:bodyPr wrap="square" rtlCol="0">
+            <a:spAutoFit/>
+          </a:bodyPr>
+          <a:lstStyle/>
+          <a:p>
+            <a:pPr algn="ctr"/>
+            <a:r>
+              <a:rPr lang="en-US" sz="1050" b="1" dirty="0" err="1" smtClean="0"/>
+              <a:t>Ganancias</a:t>
+            </a:r>
+            <a:r>
+              <a:rPr lang="en-US" sz="1050" b="1" dirty="0" smtClean="0"/>
+              <a:t> </a:t>
+            </a:r>
+            <a:r>
+              <a:rPr lang="en-US" sz="1050" b="1" dirty="0" err="1" smtClean="0"/>
+              <a:t>retenidas</a:t>
+            </a:r>
+            <a:r>
+              <a:rPr lang="en-US" sz="1050" b="1" dirty="0" smtClean="0"/>
+              <a:t>/</a:t>
+            </a:r>
+            <a:r>
+              <a:rPr lang="en-US" sz="1050" b="1" dirty="0" err="1" smtClean="0"/>
+              <a:t>activos</a:t>
+            </a:r>
+            <a:endParaRPr lang="es-UY" sz="1050" b="1" dirty="0"/>
+          </a:p>
+        </p:txBody>
+      </p:sp>
+      <p:sp>
+        <p:nvSpPr>
+          <p:cNvPr id="9" name="TextBox 8"/>
+          <p:cNvSpPr txBox="1"/>
+          <p:nvPr/>
+        </p:nvSpPr>
+        <p:spPr>
+          <a:xfrm>
+            <a:off x="5619651" y="654699"/>
+            <a:ext cx="1389321" cy="415498"/>
+          </a:xfrm>
+          <a:prstGeom prst="rect">
+            <a:avLst/>
+          </a:prstGeom>
+          <a:noFill/>
+        </p:spPr>
+        <p:txBody>
+          <a:bodyPr wrap="square" rtlCol="0">
+            <a:spAutoFit/>
+          </a:bodyPr>
+          <a:lstStyle/>
+          <a:p>
+            <a:pPr algn="ctr"/>
+            <a:r>
+              <a:rPr lang="en-US" sz="1050" b="1" dirty="0" smtClean="0"/>
+              <a:t>Capital de </a:t>
+            </a:r>
+            <a:r>
+              <a:rPr lang="en-US" sz="1050" b="1" dirty="0" err="1" smtClean="0"/>
+              <a:t>trabajo</a:t>
+            </a:r>
+            <a:r>
+              <a:rPr lang="en-US" sz="1050" b="1" dirty="0" smtClean="0"/>
+              <a:t>/</a:t>
+            </a:r>
+            <a:r>
+              <a:rPr lang="en-US" sz="1050" b="1" dirty="0" err="1" smtClean="0"/>
+              <a:t>activos</a:t>
+            </a:r>
+            <a:endParaRPr lang="es-UY" sz="1050" b="1" dirty="0"/>
+          </a:p>
+        </p:txBody>
+      </p:sp>
+      <p:sp>
+        <p:nvSpPr>
+          <p:cNvPr id="10" name="TextBox 9"/>
+          <p:cNvSpPr txBox="1"/>
+          <p:nvPr/>
+        </p:nvSpPr>
+        <p:spPr>
+          <a:xfrm>
+            <a:off x="7254130" y="662394"/>
+            <a:ext cx="1500321" cy="415498"/>
+          </a:xfrm>
+          <a:prstGeom prst="rect">
+            <a:avLst/>
+          </a:prstGeom>
+          <a:noFill/>
+        </p:spPr>
+        <p:txBody>
+          <a:bodyPr wrap="square" rtlCol="0">
+            <a:spAutoFit/>
+          </a:bodyPr>
+          <a:lstStyle/>
+          <a:p>
+            <a:pPr algn="ctr"/>
+            <a:r>
+              <a:rPr lang="en-US" sz="1050" b="1" dirty="0" err="1" smtClean="0"/>
+              <a:t>Ingreso</a:t>
+            </a:r>
+            <a:r>
+              <a:rPr lang="en-US" sz="1050" b="1" dirty="0" smtClean="0"/>
+              <a:t> </a:t>
+            </a:r>
+            <a:r>
+              <a:rPr lang="en-US" sz="1050" b="1" dirty="0" err="1" smtClean="0"/>
+              <a:t>neto</a:t>
+            </a:r>
+            <a:r>
+              <a:rPr lang="en-US" sz="1050" b="1" dirty="0" smtClean="0"/>
+              <a:t>/capital </a:t>
+            </a:r>
+            <a:r>
+              <a:rPr lang="en-US" sz="1050" b="1" dirty="0" err="1" smtClean="0"/>
+              <a:t>contable</a:t>
+            </a:r>
+            <a:endParaRPr lang="es-UY" sz="1050" b="1" dirty="0"/>
+          </a:p>
+        </p:txBody>
+      </p:sp>
     </p:spTree>
     <p:extLst>
       <p:ext uri="{BB962C8B-B14F-4D97-AF65-F5344CB8AC3E}">
@@ -25273,9 +25662,14 @@
               <a:buChar char="•"/>
             </a:pPr>
             <a:r>
-              <a:rPr lang="en-US" sz="1100" dirty="0" smtClean="0"/>
-              <a:t>Efectivo</a:t>
+              <a:rPr lang="en-US" sz="1100" dirty="0" err="1"/>
+              <a:t>e</a:t>
             </a:r>
+            <a:r>
+              <a:rPr lang="en-US" sz="1100" dirty="0" err="1" smtClean="0"/>
+              <a:t>fectivo</a:t>
+            </a:r>
+            <a:endParaRPr lang="en-US" sz="1100" dirty="0" smtClean="0"/>
           </a:p>
           <a:p>
             <a:pPr marL="285750" lvl="0" indent="-285750">
@@ -25742,6 +26136,135 @@
           </a:prstGeom>
         </p:spPr>
       </p:pic>
+      <p:sp>
+        <p:nvSpPr>
+          <p:cNvPr id="7" name="TextBox 6"/>
+          <p:cNvSpPr txBox="1"/>
+          <p:nvPr/>
+        </p:nvSpPr>
+        <p:spPr>
+          <a:xfrm>
+            <a:off x="3952975" y="735490"/>
+            <a:ext cx="1389321" cy="253916"/>
+          </a:xfrm>
+          <a:prstGeom prst="rect">
+            <a:avLst/>
+          </a:prstGeom>
+          <a:noFill/>
+        </p:spPr>
+        <p:txBody>
+          <a:bodyPr wrap="square" rtlCol="0">
+            <a:spAutoFit/>
+          </a:bodyPr>
+          <a:lstStyle/>
+          <a:p>
+            <a:pPr algn="ctr"/>
+            <a:r>
+              <a:rPr lang="en-US" sz="1050" b="1" dirty="0" smtClean="0"/>
+              <a:t>Valor </a:t>
+            </a:r>
+            <a:r>
+              <a:rPr lang="en-US" sz="1050" b="1" dirty="0" err="1" smtClean="0"/>
+              <a:t>por</a:t>
+            </a:r>
+            <a:r>
+              <a:rPr lang="en-US" sz="1050" b="1" dirty="0" smtClean="0"/>
+              <a:t> </a:t>
+            </a:r>
+            <a:r>
+              <a:rPr lang="en-US" sz="1050" b="1" dirty="0" err="1" smtClean="0"/>
+              <a:t>acción</a:t>
+            </a:r>
+            <a:endParaRPr lang="es-UY" sz="1050" b="1" dirty="0"/>
+          </a:p>
+        </p:txBody>
+      </p:sp>
+      <p:sp>
+        <p:nvSpPr>
+          <p:cNvPr id="9" name="TextBox 8"/>
+          <p:cNvSpPr txBox="1"/>
+          <p:nvPr/>
+        </p:nvSpPr>
+        <p:spPr>
+          <a:xfrm>
+            <a:off x="5619651" y="654699"/>
+            <a:ext cx="1389321" cy="415498"/>
+          </a:xfrm>
+          <a:prstGeom prst="rect">
+            <a:avLst/>
+          </a:prstGeom>
+          <a:noFill/>
+        </p:spPr>
+        <p:txBody>
+          <a:bodyPr wrap="square" rtlCol="0">
+            <a:spAutoFit/>
+          </a:bodyPr>
+          <a:lstStyle/>
+          <a:p>
+            <a:pPr algn="ctr"/>
+            <a:r>
+              <a:rPr lang="en-US" sz="1050" b="1" dirty="0" smtClean="0"/>
+              <a:t>Capital de </a:t>
+            </a:r>
+            <a:r>
+              <a:rPr lang="en-US" sz="1050" b="1" dirty="0" err="1" smtClean="0"/>
+              <a:t>trabajo</a:t>
+            </a:r>
+            <a:r>
+              <a:rPr lang="en-US" sz="1050" b="1" dirty="0" smtClean="0"/>
+              <a:t>/capital</a:t>
+            </a:r>
+            <a:endParaRPr lang="es-UY" sz="1050" b="1" dirty="0"/>
+          </a:p>
+        </p:txBody>
+      </p:sp>
+      <p:sp>
+        <p:nvSpPr>
+          <p:cNvPr id="10" name="TextBox 9"/>
+          <p:cNvSpPr txBox="1"/>
+          <p:nvPr/>
+        </p:nvSpPr>
+        <p:spPr>
+          <a:xfrm>
+            <a:off x="7254130" y="647163"/>
+            <a:ext cx="1500321" cy="415498"/>
+          </a:xfrm>
+          <a:prstGeom prst="rect">
+            <a:avLst/>
+          </a:prstGeom>
+          <a:noFill/>
+        </p:spPr>
+        <p:txBody>
+          <a:bodyPr wrap="square" rtlCol="0">
+            <a:spAutoFit/>
+          </a:bodyPr>
+          <a:lstStyle/>
+          <a:p>
+            <a:pPr algn="ctr"/>
+            <a:r>
+              <a:rPr lang="en-US" sz="1050" b="1" dirty="0" err="1" smtClean="0"/>
+              <a:t>Efectivo</a:t>
+            </a:r>
+            <a:r>
+              <a:rPr lang="en-US" sz="1050" b="1" dirty="0" smtClean="0"/>
+              <a:t> para </a:t>
+            </a:r>
+            <a:r>
+              <a:rPr lang="en-US" sz="1050" b="1" dirty="0" err="1" smtClean="0"/>
+              <a:t>operar</a:t>
+            </a:r>
+            <a:r>
+              <a:rPr lang="en-US" sz="1050" b="1" dirty="0" smtClean="0"/>
+              <a:t>/</a:t>
+            </a:r>
+            <a:r>
+              <a:rPr lang="en-US" sz="1050" b="1" dirty="0" err="1" smtClean="0"/>
+              <a:t>activos</a:t>
+            </a:r>
+            <a:endParaRPr lang="es-UY" sz="1050" b="1" dirty="0"/>
+          </a:p>
+        </p:txBody>
+      </p:sp>
     </p:spTree>
     <p:extLst>
       <p:ext uri="{BB962C8B-B14F-4D97-AF65-F5344CB8AC3E}">
@@ -26074,9 +26597,14 @@
               <a:buChar char="•"/>
             </a:pPr>
             <a:r>
-              <a:rPr lang="en-US" sz="1100" dirty="0" smtClean="0"/>
-              <a:t>Efectivo</a:t>
+              <a:rPr lang="en-US" sz="1100" dirty="0" err="1"/>
+              <a:t>e</a:t>
             </a:r>
+            <a:r>
+              <a:rPr lang="en-US" sz="1100" dirty="0" err="1" smtClean="0"/>
+              <a:t>fectivo</a:t>
+            </a:r>
+            <a:endParaRPr lang="en-US" sz="1100" dirty="0" smtClean="0"/>
           </a:p>
           <a:p>
             <a:pPr marL="285750" lvl="0" indent="-285750">
@@ -26543,6 +27071,139 @@
           </a:prstGeom>
         </p:spPr>
       </p:pic>
+      <p:sp>
+        <p:nvSpPr>
+          <p:cNvPr id="6" name="TextBox 5"/>
+          <p:cNvSpPr txBox="1"/>
+          <p:nvPr/>
+        </p:nvSpPr>
+        <p:spPr>
+          <a:xfrm>
+            <a:off x="3952975" y="735490"/>
+            <a:ext cx="1389321" cy="415498"/>
+          </a:xfrm>
+          <a:prstGeom prst="rect">
+            <a:avLst/>
+          </a:prstGeom>
+          <a:noFill/>
+        </p:spPr>
+        <p:txBody>
+          <a:bodyPr wrap="square" rtlCol="0">
+            <a:spAutoFit/>
+          </a:bodyPr>
+          <a:lstStyle/>
+          <a:p>
+            <a:pPr algn="ctr"/>
+            <a:r>
+              <a:rPr lang="en-US" sz="1050" b="1" dirty="0" err="1" smtClean="0"/>
+              <a:t>Tasa</a:t>
+            </a:r>
+            <a:r>
+              <a:rPr lang="en-US" sz="1050" b="1" dirty="0" smtClean="0"/>
+              <a:t> de </a:t>
+            </a:r>
+            <a:r>
+              <a:rPr lang="en-US" sz="1050" b="1" dirty="0" err="1" smtClean="0"/>
+              <a:t>impuestos</a:t>
+            </a:r>
+            <a:r>
+              <a:rPr lang="en-US" sz="1050" b="1" dirty="0" smtClean="0"/>
+              <a:t> </a:t>
+            </a:r>
+            <a:r>
+              <a:rPr lang="en-US" sz="1050" b="1" dirty="0" err="1" smtClean="0"/>
+              <a:t>pagos</a:t>
+            </a:r>
+            <a:endParaRPr lang="es-UY" sz="1050" b="1" dirty="0"/>
+          </a:p>
+        </p:txBody>
+      </p:sp>
+      <p:sp>
+        <p:nvSpPr>
+          <p:cNvPr id="7" name="TextBox 6"/>
+          <p:cNvSpPr txBox="1"/>
+          <p:nvPr/>
+        </p:nvSpPr>
+        <p:spPr>
+          <a:xfrm>
+            <a:off x="5603552" y="735490"/>
+            <a:ext cx="1389321" cy="253916"/>
+          </a:xfrm>
+          <a:prstGeom prst="rect">
+            <a:avLst/>
+          </a:prstGeom>
+          <a:noFill/>
+        </p:spPr>
+        <p:txBody>
+          <a:bodyPr wrap="square" rtlCol="0">
+            <a:spAutoFit/>
+          </a:bodyPr>
+          <a:lstStyle/>
+          <a:p>
+            <a:pPr algn="ctr"/>
+            <a:r>
+              <a:rPr lang="en-US" sz="1050" b="1" dirty="0" err="1" smtClean="0"/>
+              <a:t>Efectivo</a:t>
+            </a:r>
+            <a:r>
+              <a:rPr lang="en-US" sz="1050" b="1" dirty="0" smtClean="0"/>
+              <a:t>/</a:t>
+            </a:r>
+            <a:r>
+              <a:rPr lang="en-US" sz="1050" b="1" dirty="0" err="1" smtClean="0"/>
+              <a:t>activos</a:t>
+            </a:r>
+            <a:endParaRPr lang="es-UY" sz="1050" b="1" dirty="0"/>
+          </a:p>
+        </p:txBody>
+      </p:sp>
+      <p:sp>
+        <p:nvSpPr>
+          <p:cNvPr id="9" name="TextBox 8"/>
+          <p:cNvSpPr txBox="1"/>
+          <p:nvPr/>
+        </p:nvSpPr>
+        <p:spPr>
+          <a:xfrm>
+            <a:off x="7254130" y="647163"/>
+            <a:ext cx="1500321" cy="415498"/>
+          </a:xfrm>
+          <a:prstGeom prst="rect">
+            <a:avLst/>
+          </a:prstGeom>
+          <a:noFill/>
+        </p:spPr>
+        <p:txBody>
+          <a:bodyPr wrap="square" rtlCol="0">
+            <a:spAutoFit/>
+          </a:bodyPr>
+          <a:lstStyle/>
+          <a:p>
+            <a:pPr algn="ctr"/>
+            <a:r>
+              <a:rPr lang="en-US" sz="1050" b="1" dirty="0" err="1" smtClean="0"/>
+              <a:t>Ganancia</a:t>
+            </a:r>
+            <a:r>
+              <a:rPr lang="en-US" sz="1050" b="1" dirty="0" smtClean="0"/>
+              <a:t> </a:t>
+            </a:r>
+            <a:r>
+              <a:rPr lang="en-US" sz="1050" b="1" dirty="0" err="1" smtClean="0"/>
+              <a:t>bruta</a:t>
+            </a:r>
+            <a:r>
+              <a:rPr lang="en-US" sz="1050" b="1" dirty="0" smtClean="0"/>
+              <a:t>/</a:t>
+            </a:r>
+            <a:r>
+              <a:rPr lang="en-US" sz="1050" b="1" dirty="0" err="1" smtClean="0"/>
+              <a:t>ventas</a:t>
+            </a:r>
+            <a:endParaRPr lang="es-UY" sz="1050" b="1" dirty="0"/>
+          </a:p>
+        </p:txBody>
+      </p:sp>
     </p:spTree>
     <p:extLst>
       <p:ext uri="{BB962C8B-B14F-4D97-AF65-F5344CB8AC3E}">
